--- a/4-1 Cytoskeletal dynamics/JC.pptx
+++ b/4-1 Cytoskeletal dynamics/JC.pptx
@@ -8,14 +8,19 @@
     <p:sldId id="256" r:id="rId3"/>
     <p:sldId id="257" r:id="rId4"/>
     <p:sldId id="259" r:id="rId5"/>
-    <p:sldId id="261" r:id="rId6"/>
-    <p:sldId id="266" r:id="rId7"/>
-    <p:sldId id="271" r:id="rId8"/>
-    <p:sldId id="273" r:id="rId9"/>
-    <p:sldId id="272" r:id="rId10"/>
-    <p:sldId id="274" r:id="rId11"/>
-    <p:sldId id="270" r:id="rId12"/>
-    <p:sldId id="262" r:id="rId13"/>
+    <p:sldId id="280" r:id="rId6"/>
+    <p:sldId id="261" r:id="rId7"/>
+    <p:sldId id="278" r:id="rId8"/>
+    <p:sldId id="282" r:id="rId9"/>
+    <p:sldId id="266" r:id="rId10"/>
+    <p:sldId id="271" r:id="rId11"/>
+    <p:sldId id="273" r:id="rId12"/>
+    <p:sldId id="272" r:id="rId13"/>
+    <p:sldId id="274" r:id="rId14"/>
+    <p:sldId id="270" r:id="rId15"/>
+    <p:sldId id="279" r:id="rId16"/>
+    <p:sldId id="262" r:id="rId17"/>
+    <p:sldId id="281" r:id="rId18"/>
   </p:sldIdLst>
   <p:sldSz cx="9144000" cy="6858000" type="screen4x3"/>
   <p:notesSz cx="6858000" cy="9144000"/>
@@ -3574,6 +3579,930 @@
       </p:grpSpPr>
       <p:sp>
         <p:nvSpPr>
+          <p:cNvPr id="14" name="标题 1"/>
+          <p:cNvSpPr>
+            <a:spLocks noGrp="1"/>
+          </p:cNvSpPr>
+          <p:nvPr>
+            <p:ph type="title"/>
+          </p:nvPr>
+        </p:nvSpPr>
+        <p:spPr>
+          <a:xfrm>
+            <a:off x="256623" y="1026064"/>
+            <a:ext cx="8100012" cy="810001"/>
+          </a:xfrm>
+        </p:spPr>
+        <p:txBody>
+          <a:bodyPr>
+            <a:normAutofit fontScale="90000"/>
+          </a:bodyPr>
+          <a:lstStyle/>
+          <a:p>
+            <a:r>
+              <a:rPr lang="en-US" altLang="zh-CN" sz="2700" dirty="0">
+                <a:latin typeface="黑体" panose="02010609060101010101" pitchFamily="49" charset="-122"/>
+                <a:ea typeface="黑体" panose="02010609060101010101" pitchFamily="49" charset="-122"/>
+              </a:rPr>
+              <a:t>WIRS-Containing Tails Have </a:t>
+            </a:r>
+            <a:r>
+              <a:rPr lang="en-US" altLang="zh-CN" sz="2700" dirty="0" smtClean="0">
+                <a:latin typeface="黑体" panose="02010609060101010101" pitchFamily="49" charset="-122"/>
+                <a:ea typeface="黑体" panose="02010609060101010101" pitchFamily="49" charset="-122"/>
+              </a:rPr>
+              <a:t>Various Effects </a:t>
+            </a:r>
+            <a:r>
+              <a:rPr lang="en-US" altLang="zh-CN" sz="2700" dirty="0">
+                <a:latin typeface="黑体" panose="02010609060101010101" pitchFamily="49" charset="-122"/>
+                <a:ea typeface="黑体" panose="02010609060101010101" pitchFamily="49" charset="-122"/>
+              </a:rPr>
+              <a:t>on WRC Activity</a:t>
+            </a:r>
+            <a:endParaRPr lang="zh-CN" altLang="en-US" sz="2700" dirty="0">
+              <a:latin typeface="黑体" panose="02010609060101010101" pitchFamily="49" charset="-122"/>
+              <a:ea typeface="黑体" panose="02010609060101010101" pitchFamily="49" charset="-122"/>
+            </a:endParaRPr>
+          </a:p>
+        </p:txBody>
+      </p:sp>
+      <p:sp>
+        <p:nvSpPr>
+          <p:cNvPr id="7" name="内容占位符 2"/>
+          <p:cNvSpPr>
+            <a:spLocks noGrp="1"/>
+          </p:cNvSpPr>
+          <p:nvPr>
+            <p:ph idx="1"/>
+          </p:nvPr>
+        </p:nvSpPr>
+        <p:spPr>
+          <a:xfrm>
+            <a:off x="256623" y="1836065"/>
+            <a:ext cx="3780006" cy="4050006"/>
+          </a:xfrm>
+        </p:spPr>
+        <p:txBody>
+          <a:bodyPr>
+            <a:normAutofit lnSpcReduction="10000"/>
+          </a:bodyPr>
+          <a:lstStyle/>
+          <a:p>
+            <a:pPr>
+              <a:lnSpc>
+                <a:spcPct val="100000"/>
+              </a:lnSpc>
+              <a:spcBef>
+                <a:spcPts val="0"/>
+              </a:spcBef>
+              <a:spcAft>
+                <a:spcPts val="0"/>
+              </a:spcAft>
+              <a:buFont typeface="Wingdings" panose="05000000000000000000" charset="2"/>
+              <a:buChar char="l"/>
+            </a:pPr>
+            <a:endParaRPr lang="en-US" altLang="zh-CN" b="1" dirty="0" smtClean="0">
+              <a:latin typeface="Microsoft YaHei UI" panose="020B0503020204020204" pitchFamily="34" charset="-122"/>
+              <a:ea typeface="Microsoft YaHei UI" panose="020B0503020204020204" pitchFamily="34" charset="-122"/>
+              <a:cs typeface="Arial" panose="02080604020202020204" charset="0"/>
+            </a:endParaRPr>
+          </a:p>
+          <a:p>
+            <a:pPr>
+              <a:lnSpc>
+                <a:spcPct val="100000"/>
+              </a:lnSpc>
+              <a:spcBef>
+                <a:spcPts val="0"/>
+              </a:spcBef>
+              <a:spcAft>
+                <a:spcPts val="0"/>
+              </a:spcAft>
+              <a:buFont typeface="Wingdings" panose="05000000000000000000" charset="2"/>
+              <a:buChar char="l"/>
+            </a:pPr>
+            <a:r>
+              <a:rPr lang="en-US" altLang="zh-CN" b="1" dirty="0" smtClean="0">
+                <a:latin typeface="Microsoft YaHei UI" panose="020B0503020204020204" pitchFamily="34" charset="-122"/>
+                <a:ea typeface="Microsoft YaHei UI" panose="020B0503020204020204" pitchFamily="34" charset="-122"/>
+                <a:cs typeface="Arial" panose="02080604020202020204" charset="0"/>
+              </a:rPr>
+              <a:t>Minimal activation on its own: </a:t>
+            </a:r>
+            <a:r>
+              <a:rPr lang="en-US" altLang="zh-CN" sz="1200" dirty="0" smtClean="0">
+                <a:latin typeface="Microsoft YaHei UI" panose="020B0503020204020204" pitchFamily="34" charset="-122"/>
+                <a:ea typeface="Microsoft YaHei UI" panose="020B0503020204020204" pitchFamily="34" charset="-122"/>
+                <a:cs typeface="Arial" panose="02080604020202020204" charset="0"/>
+              </a:rPr>
+              <a:t>neither </a:t>
+            </a:r>
+            <a:r>
+              <a:rPr lang="en-US" altLang="zh-CN" sz="1200" dirty="0">
+                <a:latin typeface="Microsoft YaHei UI" panose="020B0503020204020204" pitchFamily="34" charset="-122"/>
+                <a:ea typeface="Microsoft YaHei UI" panose="020B0503020204020204" pitchFamily="34" charset="-122"/>
+                <a:cs typeface="Arial" panose="02080604020202020204" charset="0"/>
+              </a:rPr>
+              <a:t>the WIRS peptide nor </a:t>
+            </a:r>
+            <a:r>
+              <a:rPr lang="en-US" altLang="zh-CN" sz="1200" dirty="0" smtClean="0">
+                <a:latin typeface="Microsoft YaHei UI" panose="020B0503020204020204" pitchFamily="34" charset="-122"/>
+                <a:ea typeface="Microsoft YaHei UI" panose="020B0503020204020204" pitchFamily="34" charset="-122"/>
+                <a:cs typeface="Arial" panose="02080604020202020204" charset="0"/>
+              </a:rPr>
+              <a:t>the PCDH10 </a:t>
+            </a:r>
+            <a:r>
+              <a:rPr lang="en-US" altLang="zh-CN" sz="1200" dirty="0">
+                <a:latin typeface="Microsoft YaHei UI" panose="020B0503020204020204" pitchFamily="34" charset="-122"/>
+                <a:ea typeface="Microsoft YaHei UI" panose="020B0503020204020204" pitchFamily="34" charset="-122"/>
+                <a:cs typeface="Arial" panose="02080604020202020204" charset="0"/>
+              </a:rPr>
+              <a:t>CT increased activity of </a:t>
+            </a:r>
+            <a:r>
+              <a:rPr lang="en-US" altLang="zh-CN" sz="1200" dirty="0" smtClean="0">
+                <a:latin typeface="Microsoft YaHei UI" panose="020B0503020204020204" pitchFamily="34" charset="-122"/>
+                <a:ea typeface="Microsoft YaHei UI" panose="020B0503020204020204" pitchFamily="34" charset="-122"/>
+                <a:cs typeface="Arial" panose="02080604020202020204" charset="0"/>
+              </a:rPr>
+              <a:t>the WRC </a:t>
+            </a:r>
+            <a:r>
+              <a:rPr lang="en-US" altLang="zh-CN" sz="1200" dirty="0">
+                <a:latin typeface="Microsoft YaHei UI" panose="020B0503020204020204" pitchFamily="34" charset="-122"/>
+                <a:ea typeface="Microsoft YaHei UI" panose="020B0503020204020204" pitchFamily="34" charset="-122"/>
+                <a:cs typeface="Arial" panose="02080604020202020204" charset="0"/>
+              </a:rPr>
+              <a:t>toward the Arp2/3 </a:t>
+            </a:r>
+            <a:r>
+              <a:rPr lang="en-US" altLang="zh-CN" sz="1200" dirty="0" smtClean="0">
+                <a:latin typeface="Microsoft YaHei UI" panose="020B0503020204020204" pitchFamily="34" charset="-122"/>
+                <a:ea typeface="Microsoft YaHei UI" panose="020B0503020204020204" pitchFamily="34" charset="-122"/>
+                <a:cs typeface="Arial" panose="02080604020202020204" charset="0"/>
+              </a:rPr>
+              <a:t>complex</a:t>
+            </a:r>
+            <a:r>
+              <a:rPr lang="en-US" altLang="zh-CN" dirty="0" smtClean="0">
+                <a:latin typeface="Microsoft YaHei UI" panose="020B0503020204020204" pitchFamily="34" charset="-122"/>
+                <a:ea typeface="Microsoft YaHei UI" panose="020B0503020204020204" pitchFamily="34" charset="-122"/>
+                <a:cs typeface="Arial" panose="02080604020202020204" charset="0"/>
+              </a:rPr>
+              <a:t>.</a:t>
+            </a:r>
+            <a:endParaRPr lang="en-US" altLang="zh-CN" dirty="0" smtClean="0">
+              <a:latin typeface="Microsoft YaHei UI" panose="020B0503020204020204" pitchFamily="34" charset="-122"/>
+              <a:ea typeface="Microsoft YaHei UI" panose="020B0503020204020204" pitchFamily="34" charset="-122"/>
+              <a:cs typeface="Arial" panose="02080604020202020204" charset="0"/>
+            </a:endParaRPr>
+          </a:p>
+          <a:p>
+            <a:pPr>
+              <a:lnSpc>
+                <a:spcPct val="100000"/>
+              </a:lnSpc>
+              <a:spcBef>
+                <a:spcPts val="0"/>
+              </a:spcBef>
+              <a:spcAft>
+                <a:spcPts val="0"/>
+              </a:spcAft>
+              <a:buFont typeface="Wingdings" panose="05000000000000000000" charset="2"/>
+              <a:buChar char="l"/>
+            </a:pPr>
+            <a:endParaRPr lang="en-US" altLang="zh-CN" dirty="0" smtClean="0">
+              <a:latin typeface="Microsoft YaHei UI" panose="020B0503020204020204" pitchFamily="34" charset="-122"/>
+              <a:ea typeface="Microsoft YaHei UI" panose="020B0503020204020204" pitchFamily="34" charset="-122"/>
+              <a:cs typeface="Arial" panose="02080604020202020204" charset="0"/>
+            </a:endParaRPr>
+          </a:p>
+          <a:p>
+            <a:pPr>
+              <a:lnSpc>
+                <a:spcPct val="100000"/>
+              </a:lnSpc>
+              <a:spcBef>
+                <a:spcPts val="0"/>
+              </a:spcBef>
+              <a:spcAft>
+                <a:spcPts val="0"/>
+              </a:spcAft>
+              <a:buFont typeface="Wingdings" panose="05000000000000000000" charset="2"/>
+              <a:buChar char="l"/>
+            </a:pPr>
+            <a:r>
+              <a:rPr lang="en-US" altLang="zh-CN" b="1" dirty="0" smtClean="0">
+                <a:latin typeface="Microsoft YaHei UI" panose="020B0503020204020204" pitchFamily="34" charset="-122"/>
+                <a:ea typeface="Microsoft YaHei UI" panose="020B0503020204020204" pitchFamily="34" charset="-122"/>
+                <a:cs typeface="Arial" panose="02080604020202020204" charset="0"/>
+              </a:rPr>
+              <a:t>Cooperation with Rac1: </a:t>
+            </a:r>
+            <a:r>
+              <a:rPr lang="en-US" altLang="zh-CN" sz="1200" dirty="0" smtClean="0">
+                <a:latin typeface="Microsoft YaHei UI" panose="020B0503020204020204" pitchFamily="34" charset="-122"/>
+                <a:ea typeface="Microsoft YaHei UI" panose="020B0503020204020204" pitchFamily="34" charset="-122"/>
+                <a:cs typeface="Arial" panose="02080604020202020204" charset="0"/>
+              </a:rPr>
+              <a:t>in </a:t>
+            </a:r>
+            <a:r>
+              <a:rPr lang="en-US" altLang="zh-CN" sz="1200" dirty="0">
+                <a:latin typeface="Microsoft YaHei UI" panose="020B0503020204020204" pitchFamily="34" charset="-122"/>
+                <a:ea typeface="Microsoft YaHei UI" panose="020B0503020204020204" pitchFamily="34" charset="-122"/>
+                <a:cs typeface="Arial" panose="02080604020202020204" charset="0"/>
+              </a:rPr>
+              <a:t>the presence of </a:t>
+            </a:r>
+            <a:r>
+              <a:rPr lang="en-US" altLang="zh-CN" sz="1200" dirty="0" err="1" smtClean="0">
+                <a:latin typeface="Microsoft YaHei UI" panose="020B0503020204020204" pitchFamily="34" charset="-122"/>
+                <a:ea typeface="Microsoft YaHei UI" panose="020B0503020204020204" pitchFamily="34" charset="-122"/>
+                <a:cs typeface="Arial" panose="02080604020202020204" charset="0"/>
+              </a:rPr>
+              <a:t>subsaturating</a:t>
+            </a:r>
+            <a:r>
+              <a:rPr lang="en-US" altLang="zh-CN" sz="1200" dirty="0" smtClean="0">
+                <a:latin typeface="Microsoft YaHei UI" panose="020B0503020204020204" pitchFamily="34" charset="-122"/>
+                <a:ea typeface="Microsoft YaHei UI" panose="020B0503020204020204" pitchFamily="34" charset="-122"/>
+                <a:cs typeface="Arial" panose="02080604020202020204" charset="0"/>
+              </a:rPr>
+              <a:t> concentrations </a:t>
+            </a:r>
+            <a:r>
+              <a:rPr lang="en-US" altLang="zh-CN" sz="1200" dirty="0">
+                <a:latin typeface="Microsoft YaHei UI" panose="020B0503020204020204" pitchFamily="34" charset="-122"/>
+                <a:ea typeface="Microsoft YaHei UI" panose="020B0503020204020204" pitchFamily="34" charset="-122"/>
+                <a:cs typeface="Arial" panose="02080604020202020204" charset="0"/>
+              </a:rPr>
+              <a:t>of Rac1, PCDH10 </a:t>
+            </a:r>
+            <a:r>
+              <a:rPr lang="en-US" altLang="zh-CN" sz="1200" dirty="0" smtClean="0">
+                <a:latin typeface="Microsoft YaHei UI" panose="020B0503020204020204" pitchFamily="34" charset="-122"/>
+                <a:ea typeface="Microsoft YaHei UI" panose="020B0503020204020204" pitchFamily="34" charset="-122"/>
+                <a:cs typeface="Arial" panose="02080604020202020204" charset="0"/>
+              </a:rPr>
+              <a:t>CT enhanced </a:t>
+            </a:r>
+            <a:r>
+              <a:rPr lang="en-US" altLang="zh-CN" sz="1200" dirty="0">
+                <a:latin typeface="Microsoft YaHei UI" panose="020B0503020204020204" pitchFamily="34" charset="-122"/>
+                <a:ea typeface="Microsoft YaHei UI" panose="020B0503020204020204" pitchFamily="34" charset="-122"/>
+                <a:cs typeface="Arial" panose="02080604020202020204" charset="0"/>
+              </a:rPr>
+              <a:t>the ability of Rac1 to </a:t>
+            </a:r>
+            <a:r>
+              <a:rPr lang="en-US" altLang="zh-CN" sz="1200" dirty="0" smtClean="0">
+                <a:latin typeface="Microsoft YaHei UI" panose="020B0503020204020204" pitchFamily="34" charset="-122"/>
+                <a:ea typeface="Microsoft YaHei UI" panose="020B0503020204020204" pitchFamily="34" charset="-122"/>
+                <a:cs typeface="Arial" panose="02080604020202020204" charset="0"/>
+              </a:rPr>
+              <a:t>stimulate WRC activity</a:t>
+            </a:r>
+            <a:r>
+              <a:rPr lang="en-US" altLang="zh-CN" dirty="0" smtClean="0">
+                <a:latin typeface="Microsoft YaHei UI" panose="020B0503020204020204" pitchFamily="34" charset="-122"/>
+                <a:ea typeface="Microsoft YaHei UI" panose="020B0503020204020204" pitchFamily="34" charset="-122"/>
+                <a:cs typeface="Arial" panose="02080604020202020204" charset="0"/>
+              </a:rPr>
+              <a:t>.</a:t>
+            </a:r>
+            <a:endParaRPr lang="en-US" altLang="zh-CN" dirty="0" smtClean="0">
+              <a:latin typeface="Microsoft YaHei UI" panose="020B0503020204020204" pitchFamily="34" charset="-122"/>
+              <a:ea typeface="Microsoft YaHei UI" panose="020B0503020204020204" pitchFamily="34" charset="-122"/>
+              <a:cs typeface="Arial" panose="02080604020202020204" charset="0"/>
+            </a:endParaRPr>
+          </a:p>
+          <a:p>
+            <a:pPr>
+              <a:lnSpc>
+                <a:spcPct val="100000"/>
+              </a:lnSpc>
+              <a:spcBef>
+                <a:spcPts val="0"/>
+              </a:spcBef>
+              <a:spcAft>
+                <a:spcPts val="0"/>
+              </a:spcAft>
+              <a:buFont typeface="Wingdings" panose="05000000000000000000" charset="2"/>
+              <a:buChar char="l"/>
+            </a:pPr>
+            <a:endParaRPr lang="en-US" altLang="zh-CN" dirty="0" smtClean="0">
+              <a:latin typeface="Microsoft YaHei UI" panose="020B0503020204020204" pitchFamily="34" charset="-122"/>
+              <a:ea typeface="Microsoft YaHei UI" panose="020B0503020204020204" pitchFamily="34" charset="-122"/>
+              <a:cs typeface="Arial" panose="02080604020202020204" charset="0"/>
+            </a:endParaRPr>
+          </a:p>
+          <a:p>
+            <a:pPr>
+              <a:lnSpc>
+                <a:spcPct val="100000"/>
+              </a:lnSpc>
+              <a:spcBef>
+                <a:spcPts val="0"/>
+              </a:spcBef>
+              <a:spcAft>
+                <a:spcPts val="0"/>
+              </a:spcAft>
+              <a:buFont typeface="Wingdings" panose="05000000000000000000" charset="2"/>
+              <a:buChar char="l"/>
+            </a:pPr>
+            <a:r>
+              <a:rPr lang="en-US" altLang="zh-CN" b="1" dirty="0" smtClean="0">
+                <a:latin typeface="Microsoft YaHei UI" panose="020B0503020204020204" pitchFamily="34" charset="-122"/>
+                <a:ea typeface="Microsoft YaHei UI" panose="020B0503020204020204" pitchFamily="34" charset="-122"/>
+                <a:cs typeface="Arial" panose="02080604020202020204" charset="0"/>
+              </a:rPr>
+              <a:t>WIRS motif only mediates binding: </a:t>
+            </a:r>
+            <a:r>
+              <a:rPr lang="en-US" altLang="zh-CN" sz="1200" dirty="0" smtClean="0">
+                <a:latin typeface="Microsoft YaHei UI" panose="020B0503020204020204" pitchFamily="34" charset="-122"/>
+                <a:ea typeface="Microsoft YaHei UI" panose="020B0503020204020204" pitchFamily="34" charset="-122"/>
+                <a:cs typeface="Arial" panose="02080604020202020204" charset="0"/>
+              </a:rPr>
+              <a:t>the </a:t>
+            </a:r>
+            <a:r>
+              <a:rPr lang="en-US" altLang="zh-CN" sz="1200" dirty="0">
+                <a:latin typeface="Microsoft YaHei UI" panose="020B0503020204020204" pitchFamily="34" charset="-122"/>
+                <a:ea typeface="Microsoft YaHei UI" panose="020B0503020204020204" pitchFamily="34" charset="-122"/>
+                <a:cs typeface="Arial" panose="02080604020202020204" charset="0"/>
+              </a:rPr>
+              <a:t>minimal WIRS peptide had no effect </a:t>
+            </a:r>
+            <a:r>
+              <a:rPr lang="en-US" altLang="zh-CN" sz="1200" dirty="0" smtClean="0">
+                <a:latin typeface="Microsoft YaHei UI" panose="020B0503020204020204" pitchFamily="34" charset="-122"/>
+                <a:ea typeface="Microsoft YaHei UI" panose="020B0503020204020204" pitchFamily="34" charset="-122"/>
+                <a:cs typeface="Arial" panose="02080604020202020204" charset="0"/>
+              </a:rPr>
+              <a:t>on Rac1 </a:t>
+            </a:r>
+            <a:r>
+              <a:rPr lang="en-US" altLang="zh-CN" sz="1200" dirty="0">
+                <a:latin typeface="Microsoft YaHei UI" panose="020B0503020204020204" pitchFamily="34" charset="-122"/>
+                <a:ea typeface="Microsoft YaHei UI" panose="020B0503020204020204" pitchFamily="34" charset="-122"/>
+                <a:cs typeface="Arial" panose="02080604020202020204" charset="0"/>
+              </a:rPr>
+              <a:t>stimulation, indicating that flanking sequences in </a:t>
+            </a:r>
+            <a:r>
+              <a:rPr lang="en-US" altLang="zh-CN" sz="1200" dirty="0" smtClean="0">
+                <a:latin typeface="Microsoft YaHei UI" panose="020B0503020204020204" pitchFamily="34" charset="-122"/>
+                <a:ea typeface="Microsoft YaHei UI" panose="020B0503020204020204" pitchFamily="34" charset="-122"/>
+                <a:cs typeface="Arial" panose="02080604020202020204" charset="0"/>
+              </a:rPr>
+              <a:t>the PCDH10 </a:t>
+            </a:r>
+            <a:r>
+              <a:rPr lang="en-US" altLang="zh-CN" sz="1200" dirty="0">
+                <a:latin typeface="Microsoft YaHei UI" panose="020B0503020204020204" pitchFamily="34" charset="-122"/>
+                <a:ea typeface="Microsoft YaHei UI" panose="020B0503020204020204" pitchFamily="34" charset="-122"/>
+                <a:cs typeface="Arial" panose="02080604020202020204" charset="0"/>
+              </a:rPr>
+              <a:t>CT are needed for this </a:t>
+            </a:r>
+            <a:r>
+              <a:rPr lang="en-US" altLang="zh-CN" sz="1200" dirty="0" smtClean="0">
+                <a:latin typeface="Microsoft YaHei UI" panose="020B0503020204020204" pitchFamily="34" charset="-122"/>
+                <a:ea typeface="Microsoft YaHei UI" panose="020B0503020204020204" pitchFamily="34" charset="-122"/>
+                <a:cs typeface="Arial" panose="02080604020202020204" charset="0"/>
+              </a:rPr>
+              <a:t>activity.</a:t>
+            </a:r>
+            <a:endParaRPr lang="en-US" altLang="zh-CN" sz="1350" dirty="0">
+              <a:latin typeface="Microsoft YaHei UI" panose="020B0503020204020204" pitchFamily="34" charset="-122"/>
+              <a:ea typeface="Microsoft YaHei UI" panose="020B0503020204020204" pitchFamily="34" charset="-122"/>
+              <a:cs typeface="Arial" panose="02080604020202020204" charset="0"/>
+            </a:endParaRPr>
+          </a:p>
+          <a:p>
+            <a:pPr lvl="1">
+              <a:lnSpc>
+                <a:spcPct val="150000"/>
+              </a:lnSpc>
+              <a:spcBef>
+                <a:spcPts val="0"/>
+              </a:spcBef>
+              <a:spcAft>
+                <a:spcPts val="0"/>
+              </a:spcAft>
+              <a:buFont typeface="Arial" panose="02080604020202020204" charset="0"/>
+              <a:buChar char="•"/>
+            </a:pPr>
+            <a:endParaRPr lang="en-US" altLang="zh-CN" sz="1350" dirty="0">
+              <a:latin typeface="Microsoft YaHei UI" panose="020B0503020204020204" pitchFamily="34" charset="-122"/>
+              <a:ea typeface="Microsoft YaHei UI" panose="020B0503020204020204" pitchFamily="34" charset="-122"/>
+              <a:cs typeface="Arial" panose="02080604020202020204" charset="0"/>
+            </a:endParaRPr>
+          </a:p>
+        </p:txBody>
+      </p:sp>
+      <p:pic>
+        <p:nvPicPr>
+          <p:cNvPr id="2" name="图片 1"/>
+          <p:cNvPicPr>
+            <a:picLocks noChangeAspect="1"/>
+          </p:cNvPicPr>
+          <p:nvPr/>
+        </p:nvPicPr>
+        <p:blipFill rotWithShape="1">
+          <a:blip r:embed="rId1"/>
+          <a:srcRect r="51720" b="68301"/>
+          <a:stretch>
+            <a:fillRect/>
+          </a:stretch>
+        </p:blipFill>
+        <p:spPr>
+          <a:xfrm>
+            <a:off x="4036628" y="2078281"/>
+            <a:ext cx="4024567" cy="1540572"/>
+          </a:xfrm>
+          <a:prstGeom prst="rect">
+            <a:avLst/>
+          </a:prstGeom>
+        </p:spPr>
+      </p:pic>
+      <p:pic>
+        <p:nvPicPr>
+          <p:cNvPr id="10" name="图片 9"/>
+          <p:cNvPicPr>
+            <a:picLocks noChangeAspect="1"/>
+          </p:cNvPicPr>
+          <p:nvPr/>
+        </p:nvPicPr>
+        <p:blipFill rotWithShape="1">
+          <a:blip r:embed="rId1"/>
+          <a:srcRect l="47768" b="68757"/>
+          <a:stretch>
+            <a:fillRect/>
+          </a:stretch>
+        </p:blipFill>
+        <p:spPr>
+          <a:xfrm>
+            <a:off x="4036628" y="3861068"/>
+            <a:ext cx="4353973" cy="1518395"/>
+          </a:xfrm>
+          <a:prstGeom prst="rect">
+            <a:avLst/>
+          </a:prstGeom>
+        </p:spPr>
+      </p:pic>
+    </p:spTree>
+  </p:cSld>
+  <p:clrMapOvr>
+    <a:masterClrMapping/>
+  </p:clrMapOvr>
+  <p:timing>
+    <p:tnLst>
+      <p:par>
+        <p:cTn id="1" dur="indefinite" restart="never" nodeType="tmRoot"/>
+      </p:par>
+    </p:tnLst>
+  </p:timing>
+</p:sld>
+</file>
+
+<file path=ppt/slides/slide11.xml><?xml version="1.0" encoding="utf-8"?>
+<p:sld xmlns:a="http://schemas.openxmlformats.org/drawingml/2006/main" xmlns:r="http://schemas.openxmlformats.org/officeDocument/2006/relationships" xmlns:p="http://schemas.openxmlformats.org/presentationml/2006/main">
+  <p:cSld>
+    <p:spTree>
+      <p:nvGrpSpPr>
+        <p:cNvPr id="1" name=""/>
+        <p:cNvGrpSpPr/>
+        <p:nvPr/>
+      </p:nvGrpSpPr>
+      <p:grpSpPr>
+        <a:xfrm>
+          <a:off x="0" y="0"/>
+          <a:ext cx="0" cy="0"/>
+          <a:chOff x="0" y="0"/>
+          <a:chExt cx="0" cy="0"/>
+        </a:xfrm>
+      </p:grpSpPr>
+      <p:sp>
+        <p:nvSpPr>
+          <p:cNvPr id="14" name="标题 1"/>
+          <p:cNvSpPr>
+            <a:spLocks noGrp="1"/>
+          </p:cNvSpPr>
+          <p:nvPr>
+            <p:ph type="title"/>
+          </p:nvPr>
+        </p:nvSpPr>
+        <p:spPr>
+          <a:xfrm>
+            <a:off x="256623" y="1026064"/>
+            <a:ext cx="8100012" cy="810001"/>
+          </a:xfrm>
+        </p:spPr>
+        <p:txBody>
+          <a:bodyPr>
+            <a:normAutofit fontScale="90000"/>
+          </a:bodyPr>
+          <a:lstStyle/>
+          <a:p>
+            <a:r>
+              <a:rPr lang="en-US" altLang="zh-CN" sz="2700" dirty="0">
+                <a:latin typeface="黑体" panose="02010609060101010101" pitchFamily="49" charset="-122"/>
+                <a:ea typeface="黑体" panose="02010609060101010101" pitchFamily="49" charset="-122"/>
+              </a:rPr>
+              <a:t>WIRS-Containing Tails Have </a:t>
+            </a:r>
+            <a:r>
+              <a:rPr lang="en-US" altLang="zh-CN" sz="2700" dirty="0" smtClean="0">
+                <a:latin typeface="黑体" panose="02010609060101010101" pitchFamily="49" charset="-122"/>
+                <a:ea typeface="黑体" panose="02010609060101010101" pitchFamily="49" charset="-122"/>
+              </a:rPr>
+              <a:t>Various Effects </a:t>
+            </a:r>
+            <a:r>
+              <a:rPr lang="en-US" altLang="zh-CN" sz="2700" dirty="0">
+                <a:latin typeface="黑体" panose="02010609060101010101" pitchFamily="49" charset="-122"/>
+                <a:ea typeface="黑体" panose="02010609060101010101" pitchFamily="49" charset="-122"/>
+              </a:rPr>
+              <a:t>on WRC Activity</a:t>
+            </a:r>
+            <a:endParaRPr lang="zh-CN" altLang="en-US" sz="2700" dirty="0">
+              <a:latin typeface="黑体" panose="02010609060101010101" pitchFamily="49" charset="-122"/>
+              <a:ea typeface="黑体" panose="02010609060101010101" pitchFamily="49" charset="-122"/>
+            </a:endParaRPr>
+          </a:p>
+        </p:txBody>
+      </p:sp>
+      <p:sp>
+        <p:nvSpPr>
+          <p:cNvPr id="7" name="内容占位符 2"/>
+          <p:cNvSpPr>
+            <a:spLocks noGrp="1"/>
+          </p:cNvSpPr>
+          <p:nvPr>
+            <p:ph idx="1"/>
+          </p:nvPr>
+        </p:nvSpPr>
+        <p:spPr>
+          <a:xfrm>
+            <a:off x="256623" y="1836065"/>
+            <a:ext cx="3780006" cy="4050006"/>
+          </a:xfrm>
+        </p:spPr>
+        <p:txBody>
+          <a:bodyPr>
+            <a:normAutofit/>
+          </a:bodyPr>
+          <a:lstStyle/>
+          <a:p>
+            <a:pPr>
+              <a:lnSpc>
+                <a:spcPct val="100000"/>
+              </a:lnSpc>
+              <a:spcBef>
+                <a:spcPts val="0"/>
+              </a:spcBef>
+              <a:spcAft>
+                <a:spcPts val="0"/>
+              </a:spcAft>
+              <a:buFont typeface="Wingdings" panose="05000000000000000000" charset="2"/>
+              <a:buChar char="l"/>
+            </a:pPr>
+            <a:endParaRPr lang="en-US" altLang="zh-CN" b="1" dirty="0" smtClean="0">
+              <a:latin typeface="Microsoft YaHei UI" panose="020B0503020204020204" pitchFamily="34" charset="-122"/>
+              <a:ea typeface="Microsoft YaHei UI" panose="020B0503020204020204" pitchFamily="34" charset="-122"/>
+              <a:cs typeface="Arial" panose="02080604020202020204" charset="0"/>
+            </a:endParaRPr>
+          </a:p>
+          <a:p>
+            <a:pPr>
+              <a:lnSpc>
+                <a:spcPct val="100000"/>
+              </a:lnSpc>
+              <a:spcBef>
+                <a:spcPts val="0"/>
+              </a:spcBef>
+              <a:spcAft>
+                <a:spcPts val="0"/>
+              </a:spcAft>
+              <a:buFont typeface="Wingdings" panose="05000000000000000000" charset="2"/>
+              <a:buChar char="l"/>
+            </a:pPr>
+            <a:r>
+              <a:rPr lang="en-US" altLang="zh-CN" b="1" dirty="0" smtClean="0">
+                <a:latin typeface="Microsoft YaHei UI" panose="020B0503020204020204" pitchFamily="34" charset="-122"/>
+                <a:ea typeface="Microsoft YaHei UI" panose="020B0503020204020204" pitchFamily="34" charset="-122"/>
+                <a:cs typeface="Arial" panose="02080604020202020204" charset="0"/>
+              </a:rPr>
+              <a:t>The </a:t>
+            </a:r>
+            <a:r>
+              <a:rPr lang="en-US" altLang="zh-CN" b="1" dirty="0">
+                <a:latin typeface="Microsoft YaHei UI" panose="020B0503020204020204" pitchFamily="34" charset="-122"/>
+                <a:ea typeface="Microsoft YaHei UI" panose="020B0503020204020204" pitchFamily="34" charset="-122"/>
+                <a:cs typeface="Arial" panose="02080604020202020204" charset="0"/>
+              </a:rPr>
+              <a:t>activity of WIRS ligands is variable</a:t>
+            </a:r>
+            <a:endParaRPr lang="en-US" altLang="zh-CN" b="1" dirty="0">
+              <a:latin typeface="Microsoft YaHei UI" panose="020B0503020204020204" pitchFamily="34" charset="-122"/>
+              <a:ea typeface="Microsoft YaHei UI" panose="020B0503020204020204" pitchFamily="34" charset="-122"/>
+              <a:cs typeface="Arial" panose="02080604020202020204" charset="0"/>
+            </a:endParaRPr>
+          </a:p>
+          <a:p>
+            <a:pPr lvl="1">
+              <a:lnSpc>
+                <a:spcPct val="150000"/>
+              </a:lnSpc>
+              <a:spcBef>
+                <a:spcPts val="0"/>
+              </a:spcBef>
+              <a:spcAft>
+                <a:spcPts val="0"/>
+              </a:spcAft>
+              <a:buFont typeface="Arial" panose="02080604020202020204" charset="0"/>
+              <a:buChar char="•"/>
+            </a:pPr>
+            <a:endParaRPr lang="en-US" altLang="zh-CN" sz="1350" dirty="0">
+              <a:latin typeface="Microsoft YaHei UI" panose="020B0503020204020204" pitchFamily="34" charset="-122"/>
+              <a:ea typeface="Microsoft YaHei UI" panose="020B0503020204020204" pitchFamily="34" charset="-122"/>
+              <a:cs typeface="Arial" panose="02080604020202020204" charset="0"/>
+            </a:endParaRPr>
+          </a:p>
+          <a:p>
+            <a:pPr lvl="1">
+              <a:lnSpc>
+                <a:spcPct val="150000"/>
+              </a:lnSpc>
+              <a:spcBef>
+                <a:spcPts val="0"/>
+              </a:spcBef>
+              <a:spcAft>
+                <a:spcPts val="0"/>
+              </a:spcAft>
+              <a:buFont typeface="Arial" panose="02080604020202020204" charset="0"/>
+              <a:buChar char="•"/>
+            </a:pPr>
+            <a:endParaRPr lang="en-US" altLang="zh-CN" sz="1350" dirty="0">
+              <a:latin typeface="Microsoft YaHei UI" panose="020B0503020204020204" pitchFamily="34" charset="-122"/>
+              <a:ea typeface="Microsoft YaHei UI" panose="020B0503020204020204" pitchFamily="34" charset="-122"/>
+              <a:cs typeface="Arial" panose="02080604020202020204" charset="0"/>
+            </a:endParaRPr>
+          </a:p>
+        </p:txBody>
+      </p:sp>
+      <p:pic>
+        <p:nvPicPr>
+          <p:cNvPr id="4" name="图片 3"/>
+          <p:cNvPicPr>
+            <a:picLocks noChangeAspect="1"/>
+          </p:cNvPicPr>
+          <p:nvPr/>
+        </p:nvPicPr>
+        <p:blipFill rotWithShape="1">
+          <a:blip r:embed="rId1"/>
+          <a:srcRect t="32077" r="6817"/>
+          <a:stretch>
+            <a:fillRect/>
+          </a:stretch>
+        </p:blipFill>
+        <p:spPr>
+          <a:xfrm>
+            <a:off x="422817" y="2462960"/>
+            <a:ext cx="7767624" cy="3301057"/>
+          </a:xfrm>
+          <a:prstGeom prst="rect">
+            <a:avLst/>
+          </a:prstGeom>
+        </p:spPr>
+      </p:pic>
+    </p:spTree>
+  </p:cSld>
+  <p:clrMapOvr>
+    <a:masterClrMapping/>
+  </p:clrMapOvr>
+  <p:timing>
+    <p:tnLst>
+      <p:par>
+        <p:cTn id="1" dur="indefinite" restart="never" nodeType="tmRoot"/>
+      </p:par>
+    </p:tnLst>
+  </p:timing>
+</p:sld>
+</file>
+
+<file path=ppt/slides/slide12.xml><?xml version="1.0" encoding="utf-8"?>
+<p:sld xmlns:a="http://schemas.openxmlformats.org/drawingml/2006/main" xmlns:r="http://schemas.openxmlformats.org/officeDocument/2006/relationships" xmlns:p="http://schemas.openxmlformats.org/presentationml/2006/main">
+  <p:cSld>
+    <p:spTree>
+      <p:nvGrpSpPr>
+        <p:cNvPr id="1" name=""/>
+        <p:cNvGrpSpPr/>
+        <p:nvPr/>
+      </p:nvGrpSpPr>
+      <p:grpSpPr>
+        <a:xfrm>
+          <a:off x="0" y="0"/>
+          <a:ext cx="0" cy="0"/>
+          <a:chOff x="0" y="0"/>
+          <a:chExt cx="0" cy="0"/>
+        </a:xfrm>
+      </p:grpSpPr>
+      <p:sp>
+        <p:nvSpPr>
+          <p:cNvPr id="14" name="标题 1"/>
+          <p:cNvSpPr>
+            <a:spLocks noGrp="1"/>
+          </p:cNvSpPr>
+          <p:nvPr>
+            <p:ph type="title"/>
+          </p:nvPr>
+        </p:nvSpPr>
+        <p:spPr>
+          <a:xfrm>
+            <a:off x="256623" y="1026064"/>
+            <a:ext cx="8100012" cy="810001"/>
+          </a:xfrm>
+        </p:spPr>
+        <p:txBody>
+          <a:bodyPr>
+            <a:normAutofit/>
+          </a:bodyPr>
+          <a:lstStyle/>
+          <a:p>
+            <a:r>
+              <a:rPr lang="en-US" altLang="zh-CN" sz="2700" dirty="0">
+                <a:latin typeface="黑体" panose="02010609060101010101" pitchFamily="49" charset="-122"/>
+                <a:ea typeface="黑体" panose="02010609060101010101" pitchFamily="49" charset="-122"/>
+              </a:rPr>
+              <a:t>WIRS Ligands Bind the WRC In Vivo</a:t>
+            </a:r>
+            <a:endParaRPr lang="zh-CN" altLang="en-US" sz="2700" dirty="0">
+              <a:latin typeface="黑体" panose="02010609060101010101" pitchFamily="49" charset="-122"/>
+              <a:ea typeface="黑体" panose="02010609060101010101" pitchFamily="49" charset="-122"/>
+            </a:endParaRPr>
+          </a:p>
+        </p:txBody>
+      </p:sp>
+      <p:sp>
+        <p:nvSpPr>
+          <p:cNvPr id="7" name="内容占位符 2"/>
+          <p:cNvSpPr>
+            <a:spLocks noGrp="1"/>
+          </p:cNvSpPr>
+          <p:nvPr>
+            <p:ph idx="1"/>
+          </p:nvPr>
+        </p:nvSpPr>
+        <p:spPr>
+          <a:xfrm>
+            <a:off x="256623" y="1836065"/>
+            <a:ext cx="3780006" cy="4050006"/>
+          </a:xfrm>
+        </p:spPr>
+        <p:txBody>
+          <a:bodyPr>
+            <a:normAutofit/>
+          </a:bodyPr>
+          <a:lstStyle/>
+          <a:p>
+            <a:pPr>
+              <a:lnSpc>
+                <a:spcPct val="100000"/>
+              </a:lnSpc>
+              <a:spcBef>
+                <a:spcPts val="0"/>
+              </a:spcBef>
+              <a:spcAft>
+                <a:spcPts val="0"/>
+              </a:spcAft>
+              <a:buFont typeface="Wingdings" panose="05000000000000000000" charset="2"/>
+              <a:buChar char="l"/>
+            </a:pPr>
+            <a:endParaRPr lang="en-US" altLang="zh-CN" b="1" dirty="0" smtClean="0">
+              <a:latin typeface="Microsoft YaHei UI" panose="020B0503020204020204" pitchFamily="34" charset="-122"/>
+              <a:ea typeface="Microsoft YaHei UI" panose="020B0503020204020204" pitchFamily="34" charset="-122"/>
+              <a:cs typeface="Arial" panose="02080604020202020204" charset="0"/>
+            </a:endParaRPr>
+          </a:p>
+          <a:p>
+            <a:pPr>
+              <a:lnSpc>
+                <a:spcPct val="100000"/>
+              </a:lnSpc>
+              <a:spcBef>
+                <a:spcPts val="0"/>
+              </a:spcBef>
+              <a:spcAft>
+                <a:spcPts val="0"/>
+              </a:spcAft>
+              <a:buFont typeface="Wingdings" panose="05000000000000000000" charset="2"/>
+              <a:buChar char="l"/>
+            </a:pPr>
+            <a:r>
+              <a:rPr lang="en-US" altLang="zh-CN" b="1" dirty="0" smtClean="0">
+                <a:latin typeface="Microsoft YaHei UI" panose="020B0503020204020204" pitchFamily="34" charset="-122"/>
+                <a:ea typeface="Microsoft YaHei UI" panose="020B0503020204020204" pitchFamily="34" charset="-122"/>
+                <a:cs typeface="Arial" panose="02080604020202020204" charset="0"/>
+              </a:rPr>
+              <a:t>The </a:t>
+            </a:r>
+            <a:r>
+              <a:rPr lang="en-US" altLang="zh-CN" b="1" dirty="0">
+                <a:latin typeface="Microsoft YaHei UI" panose="020B0503020204020204" pitchFamily="34" charset="-122"/>
+                <a:ea typeface="Microsoft YaHei UI" panose="020B0503020204020204" pitchFamily="34" charset="-122"/>
+                <a:cs typeface="Arial" panose="02080604020202020204" charset="0"/>
+              </a:rPr>
+              <a:t>activity of WIRS ligands is variable</a:t>
+            </a:r>
+            <a:endParaRPr lang="en-US" altLang="zh-CN" b="1" dirty="0">
+              <a:latin typeface="Microsoft YaHei UI" panose="020B0503020204020204" pitchFamily="34" charset="-122"/>
+              <a:ea typeface="Microsoft YaHei UI" panose="020B0503020204020204" pitchFamily="34" charset="-122"/>
+              <a:cs typeface="Arial" panose="02080604020202020204" charset="0"/>
+            </a:endParaRPr>
+          </a:p>
+          <a:p>
+            <a:pPr lvl="1">
+              <a:lnSpc>
+                <a:spcPct val="150000"/>
+              </a:lnSpc>
+              <a:spcBef>
+                <a:spcPts val="0"/>
+              </a:spcBef>
+              <a:spcAft>
+                <a:spcPts val="0"/>
+              </a:spcAft>
+              <a:buFont typeface="Arial" panose="02080604020202020204" charset="0"/>
+              <a:buChar char="•"/>
+            </a:pPr>
+            <a:endParaRPr lang="en-US" altLang="zh-CN" sz="1350" dirty="0">
+              <a:latin typeface="Microsoft YaHei UI" panose="020B0503020204020204" pitchFamily="34" charset="-122"/>
+              <a:ea typeface="Microsoft YaHei UI" panose="020B0503020204020204" pitchFamily="34" charset="-122"/>
+              <a:cs typeface="Arial" panose="02080604020202020204" charset="0"/>
+            </a:endParaRPr>
+          </a:p>
+          <a:p>
+            <a:pPr lvl="1">
+              <a:lnSpc>
+                <a:spcPct val="150000"/>
+              </a:lnSpc>
+              <a:spcBef>
+                <a:spcPts val="0"/>
+              </a:spcBef>
+              <a:spcAft>
+                <a:spcPts val="0"/>
+              </a:spcAft>
+              <a:buFont typeface="Arial" panose="02080604020202020204" charset="0"/>
+              <a:buChar char="•"/>
+            </a:pPr>
+            <a:endParaRPr lang="en-US" altLang="zh-CN" sz="1350" dirty="0">
+              <a:latin typeface="Microsoft YaHei UI" panose="020B0503020204020204" pitchFamily="34" charset="-122"/>
+              <a:ea typeface="Microsoft YaHei UI" panose="020B0503020204020204" pitchFamily="34" charset="-122"/>
+              <a:cs typeface="Arial" panose="02080604020202020204" charset="0"/>
+            </a:endParaRPr>
+          </a:p>
+        </p:txBody>
+      </p:sp>
+    </p:spTree>
+  </p:cSld>
+  <p:clrMapOvr>
+    <a:masterClrMapping/>
+  </p:clrMapOvr>
+  <p:timing>
+    <p:tnLst>
+      <p:par>
+        <p:cTn id="1" dur="indefinite" restart="never" nodeType="tmRoot"/>
+      </p:par>
+    </p:tnLst>
+  </p:timing>
+</p:sld>
+</file>
+
+<file path=ppt/slides/slide13.xml><?xml version="1.0" encoding="utf-8"?>
+<p:sld xmlns:a="http://schemas.openxmlformats.org/drawingml/2006/main" xmlns:r="http://schemas.openxmlformats.org/officeDocument/2006/relationships" xmlns:p="http://schemas.openxmlformats.org/presentationml/2006/main">
+  <p:cSld>
+    <p:spTree>
+      <p:nvGrpSpPr>
+        <p:cNvPr id="1" name=""/>
+        <p:cNvGrpSpPr/>
+        <p:nvPr/>
+      </p:nvGrpSpPr>
+      <p:grpSpPr>
+        <a:xfrm>
+          <a:off x="0" y="0"/>
+          <a:ext cx="0" cy="0"/>
+          <a:chOff x="0" y="0"/>
+          <a:chExt cx="0" cy="0"/>
+        </a:xfrm>
+      </p:grpSpPr>
+      <p:sp>
+        <p:nvSpPr>
           <p:cNvPr id="2" name="标题 1"/>
           <p:cNvSpPr>
             <a:spLocks noGrp="1"/>
@@ -3681,7 +4610,119 @@
 </p:sld>
 </file>
 
-<file path=ppt/slides/slide11.xml><?xml version="1.0" encoding="utf-8"?>
+<file path=ppt/slides/slide14.xml><?xml version="1.0" encoding="utf-8"?>
+<p:sld xmlns:a="http://schemas.openxmlformats.org/drawingml/2006/main" xmlns:r="http://schemas.openxmlformats.org/officeDocument/2006/relationships" xmlns:p="http://schemas.openxmlformats.org/presentationml/2006/main">
+  <p:cSld>
+    <p:spTree>
+      <p:nvGrpSpPr>
+        <p:cNvPr id="1" name=""/>
+        <p:cNvGrpSpPr/>
+        <p:nvPr/>
+      </p:nvGrpSpPr>
+      <p:grpSpPr/>
+      <p:sp>
+        <p:nvSpPr>
+          <p:cNvPr id="2" name="标题 1"/>
+          <p:cNvSpPr>
+            <a:spLocks noGrp="1"/>
+          </p:cNvSpPr>
+          <p:nvPr>
+            <p:ph type="title"/>
+          </p:nvPr>
+        </p:nvSpPr>
+        <p:spPr/>
+        <p:txBody>
+          <a:bodyPr/>
+          <a:p>
+            <a:r>
+              <a:rPr lang="x-none" altLang="zh-CN"/>
+              <a:t>Highlights Summary</a:t>
+            </a:r>
+            <a:endParaRPr lang="x-none" altLang="zh-CN"/>
+          </a:p>
+        </p:txBody>
+      </p:sp>
+      <p:sp>
+        <p:nvSpPr>
+          <p:cNvPr id="3" name="内容占位符 2"/>
+          <p:cNvSpPr>
+            <a:spLocks noGrp="1"/>
+          </p:cNvSpPr>
+          <p:nvPr>
+            <p:ph idx="1"/>
+          </p:nvPr>
+        </p:nvSpPr>
+        <p:spPr/>
+        <p:txBody>
+          <a:bodyPr>
+            <a:normAutofit lnSpcReduction="10000"/>
+          </a:bodyPr>
+          <a:p>
+            <a:r>
+              <a:rPr lang="zh-CN" altLang="en-US"/>
+              <a:t>Highlights</a:t>
+            </a:r>
+            <a:endParaRPr lang="zh-CN" altLang="en-US"/>
+          </a:p>
+          <a:p>
+            <a:r>
+              <a:rPr lang="zh-CN" altLang="en-US"/>
+              <a:t>•</a:t>
+            </a:r>
+            <a:endParaRPr lang="zh-CN" altLang="en-US"/>
+          </a:p>
+          <a:p>
+            <a:r>
+              <a:rPr lang="zh-CN" altLang="en-US"/>
+              <a:t>Many potential WRC ligands defined by a peptide motif (WIRS) were identified</a:t>
+            </a:r>
+            <a:endParaRPr lang="zh-CN" altLang="en-US"/>
+          </a:p>
+          <a:p>
+            <a:endParaRPr lang="zh-CN" altLang="en-US"/>
+          </a:p>
+          <a:p>
+            <a:r>
+              <a:rPr lang="zh-CN" altLang="en-US"/>
+              <a:t>•</a:t>
+            </a:r>
+            <a:endParaRPr lang="zh-CN" altLang="en-US"/>
+          </a:p>
+          <a:p>
+            <a:r>
+              <a:rPr lang="zh-CN" altLang="en-US"/>
+              <a:t>Motif binds to a conserved WRC surface formed by Sra and Abi subunits</a:t>
+            </a:r>
+            <a:endParaRPr lang="zh-CN" altLang="en-US"/>
+          </a:p>
+          <a:p>
+            <a:endParaRPr lang="zh-CN" altLang="en-US"/>
+          </a:p>
+          <a:p>
+            <a:r>
+              <a:rPr lang="zh-CN" altLang="en-US"/>
+              <a:t>•</a:t>
+            </a:r>
+            <a:endParaRPr lang="zh-CN" altLang="en-US"/>
+          </a:p>
+          <a:p>
+            <a:r>
+              <a:rPr lang="zh-CN" altLang="en-US"/>
+              <a:t>WIRS/WRC interaction regulates oogenesis in flies</a:t>
+            </a:r>
+            <a:endParaRPr lang="zh-CN" altLang="en-US"/>
+          </a:p>
+        </p:txBody>
+      </p:sp>
+    </p:spTree>
+  </p:cSld>
+  <p:clrMapOvr>
+    <a:masterClrMapping/>
+  </p:clrMapOvr>
+</p:sld>
+</file>
+
+<file path=ppt/slides/slide15.xml><?xml version="1.0" encoding="utf-8"?>
 <p:sld xmlns:a="http://schemas.openxmlformats.org/drawingml/2006/main" xmlns:r="http://schemas.openxmlformats.org/officeDocument/2006/relationships" xmlns:p="http://schemas.openxmlformats.org/presentationml/2006/main">
   <p:cSld>
     <p:spTree>
@@ -4058,6 +5099,86 @@
 </p:sld>
 </file>
 
+<file path=ppt/slides/slide16.xml><?xml version="1.0" encoding="utf-8"?>
+<p:sld xmlns:a="http://schemas.openxmlformats.org/drawingml/2006/main" xmlns:r="http://schemas.openxmlformats.org/officeDocument/2006/relationships" xmlns:p="http://schemas.openxmlformats.org/presentationml/2006/main">
+  <p:cSld>
+    <p:spTree>
+      <p:nvGrpSpPr>
+        <p:cNvPr id="1" name=""/>
+        <p:cNvGrpSpPr/>
+        <p:nvPr/>
+      </p:nvGrpSpPr>
+      <p:grpSpPr/>
+      <p:sp>
+        <p:nvSpPr>
+          <p:cNvPr id="2" name="标题 1"/>
+          <p:cNvSpPr>
+            <a:spLocks noGrp="1"/>
+          </p:cNvSpPr>
+          <p:nvPr>
+            <p:ph type="title"/>
+          </p:nvPr>
+        </p:nvSpPr>
+        <p:spPr>
+          <a:xfrm>
+            <a:off x="535940" y="141605"/>
+            <a:ext cx="6939915" cy="1202055"/>
+          </a:xfrm>
+        </p:spPr>
+        <p:txBody>
+          <a:bodyPr>
+            <a:noAutofit/>
+          </a:bodyPr>
+          <a:p>
+            <a:r>
+              <a:rPr lang="x-none" altLang="zh-CN" sz="2400"/>
+              <a:t>Appendix 1</a:t>
+            </a:r>
+            <a:br>
+              <a:rPr lang="x-none" altLang="zh-CN" sz="2400"/>
+            </a:br>
+            <a:r>
+              <a:rPr lang="x-none" altLang="zh-CN" sz="2400"/>
+              <a:t>PCDH10 Cytoplasmic Tail Directly Interacts with the WRC</a:t>
+            </a:r>
+            <a:endParaRPr lang="x-none" altLang="zh-CN" sz="2400"/>
+          </a:p>
+        </p:txBody>
+      </p:sp>
+      <p:pic>
+        <p:nvPicPr>
+          <p:cNvPr id="4" name="内容占位符 3"/>
+          <p:cNvPicPr>
+            <a:picLocks noChangeAspect="1"/>
+          </p:cNvPicPr>
+          <p:nvPr>
+            <p:ph idx="1"/>
+          </p:nvPr>
+        </p:nvPicPr>
+        <p:blipFill>
+          <a:blip r:embed="rId1"/>
+          <a:stretch>
+            <a:fillRect/>
+          </a:stretch>
+        </p:blipFill>
+        <p:spPr>
+          <a:xfrm>
+            <a:off x="805180" y="1725930"/>
+            <a:ext cx="5945505" cy="4351655"/>
+          </a:xfrm>
+          <a:prstGeom prst="rect">
+            <a:avLst/>
+          </a:prstGeom>
+        </p:spPr>
+      </p:pic>
+    </p:spTree>
+  </p:cSld>
+  <p:clrMapOvr>
+    <a:masterClrMapping/>
+  </p:clrMapOvr>
+</p:sld>
+</file>
+
 <file path=ppt/slides/slide2.xml><?xml version="1.0" encoding="utf-8"?>
 <p:sld xmlns:a="http://schemas.openxmlformats.org/drawingml/2006/main" xmlns:r="http://schemas.openxmlformats.org/officeDocument/2006/relationships" xmlns:p="http://schemas.openxmlformats.org/presentationml/2006/main">
   <p:cSld>
@@ -4284,13 +5405,13 @@
         </p:nvSpPr>
         <p:spPr>
           <a:xfrm>
-            <a:off x="256623" y="1836066"/>
+            <a:off x="266783" y="1846226"/>
             <a:ext cx="8100012" cy="3263508"/>
           </a:xfrm>
         </p:spPr>
         <p:txBody>
           <a:bodyPr>
-            <a:normAutofit/>
+            <a:normAutofit fontScale="90000" lnSpcReduction="20000"/>
           </a:bodyPr>
           <a:lstStyle/>
           <a:p>
@@ -4443,17 +5564,305 @@
               <a:buChar char="•"/>
             </a:pPr>
             <a:r>
+              <a:rPr lang="x-none" altLang="en-US" sz="1300" dirty="0" smtClean="0">
+                <a:latin typeface="Microsoft YaHei UI" panose="020B0503020204020204" pitchFamily="34" charset="-122"/>
+                <a:ea typeface="Microsoft YaHei UI" panose="020B0503020204020204" pitchFamily="34" charset="-122"/>
+                <a:cs typeface="Arial" panose="02080604020202020204" charset="0"/>
+                <a:sym typeface="+mn-ea"/>
+              </a:rPr>
+              <a:t>Sra1/Cyfip1</a:t>
+            </a:r>
+            <a:endParaRPr lang="x-none" altLang="en-US" sz="1300" dirty="0" smtClean="0">
+              <a:latin typeface="Microsoft YaHei UI" panose="020B0503020204020204" pitchFamily="34" charset="-122"/>
+              <a:ea typeface="Microsoft YaHei UI" panose="020B0503020204020204" pitchFamily="34" charset="-122"/>
+              <a:cs typeface="Arial" panose="02080604020202020204" charset="0"/>
+            </a:endParaRPr>
+          </a:p>
+          <a:p>
+            <a:pPr lvl="2">
+              <a:lnSpc>
+                <a:spcPct val="100000"/>
+              </a:lnSpc>
+              <a:spcBef>
+                <a:spcPts val="0"/>
+              </a:spcBef>
+              <a:spcAft>
+                <a:spcPts val="0"/>
+              </a:spcAft>
+              <a:buFont typeface="Arial" panose="02080604020202020204" charset="0"/>
+              <a:buChar char="•"/>
+            </a:pPr>
+            <a:r>
+              <a:rPr lang="x-none" altLang="en-US" sz="1300" dirty="0" smtClean="0">
+                <a:latin typeface="Microsoft YaHei UI" panose="020B0503020204020204" pitchFamily="34" charset="-122"/>
+                <a:ea typeface="Microsoft YaHei UI" panose="020B0503020204020204" pitchFamily="34" charset="-122"/>
+                <a:cs typeface="Arial" panose="02080604020202020204" charset="0"/>
+                <a:sym typeface="+mn-ea"/>
+              </a:rPr>
+              <a:t>Nap1/Hem2/Kette</a:t>
+            </a:r>
+            <a:endParaRPr lang="x-none" altLang="en-US" sz="1300" dirty="0" smtClean="0">
+              <a:latin typeface="Microsoft YaHei UI" panose="020B0503020204020204" pitchFamily="34" charset="-122"/>
+              <a:ea typeface="Microsoft YaHei UI" panose="020B0503020204020204" pitchFamily="34" charset="-122"/>
+              <a:cs typeface="Arial" panose="02080604020202020204" charset="0"/>
+            </a:endParaRPr>
+          </a:p>
+          <a:p>
+            <a:pPr lvl="2">
+              <a:lnSpc>
+                <a:spcPct val="100000"/>
+              </a:lnSpc>
+              <a:spcBef>
+                <a:spcPts val="0"/>
+              </a:spcBef>
+              <a:spcAft>
+                <a:spcPts val="0"/>
+              </a:spcAft>
+              <a:buFont typeface="Arial" panose="02080604020202020204" charset="0"/>
+              <a:buChar char="•"/>
+            </a:pPr>
+            <a:r>
+              <a:rPr lang="x-none" altLang="en-US" sz="1300" dirty="0" smtClean="0">
+                <a:latin typeface="Microsoft YaHei UI" panose="020B0503020204020204" pitchFamily="34" charset="-122"/>
+                <a:ea typeface="Microsoft YaHei UI" panose="020B0503020204020204" pitchFamily="34" charset="-122"/>
+                <a:cs typeface="Arial" panose="02080604020202020204" charset="0"/>
+                <a:sym typeface="+mn-ea"/>
+              </a:rPr>
+              <a:t>Abi2</a:t>
+            </a:r>
+            <a:endParaRPr lang="x-none" altLang="en-US" sz="1300" dirty="0" smtClean="0">
+              <a:latin typeface="Microsoft YaHei UI" panose="020B0503020204020204" pitchFamily="34" charset="-122"/>
+              <a:ea typeface="Microsoft YaHei UI" panose="020B0503020204020204" pitchFamily="34" charset="-122"/>
+              <a:cs typeface="Arial" panose="02080604020202020204" charset="0"/>
+            </a:endParaRPr>
+          </a:p>
+          <a:p>
+            <a:pPr lvl="2">
+              <a:lnSpc>
+                <a:spcPct val="100000"/>
+              </a:lnSpc>
+              <a:spcBef>
+                <a:spcPts val="0"/>
+              </a:spcBef>
+              <a:spcAft>
+                <a:spcPts val="0"/>
+              </a:spcAft>
+              <a:buFont typeface="Arial" panose="02080604020202020204" charset="0"/>
+              <a:buChar char="•"/>
+            </a:pPr>
+            <a:r>
+              <a:rPr lang="x-none" altLang="en-US" sz="1300" dirty="0" smtClean="0">
+                <a:latin typeface="Microsoft YaHei UI" panose="020B0503020204020204" pitchFamily="34" charset="-122"/>
+                <a:ea typeface="Microsoft YaHei UI" panose="020B0503020204020204" pitchFamily="34" charset="-122"/>
+                <a:cs typeface="Arial" panose="02080604020202020204" charset="0"/>
+                <a:sym typeface="+mn-ea"/>
+              </a:rPr>
+              <a:t>HSPC300/Brick1</a:t>
+            </a:r>
+            <a:endParaRPr lang="x-none" altLang="en-US" sz="1300" dirty="0" smtClean="0">
+              <a:latin typeface="Microsoft YaHei UI" panose="020B0503020204020204" pitchFamily="34" charset="-122"/>
+              <a:ea typeface="Microsoft YaHei UI" panose="020B0503020204020204" pitchFamily="34" charset="-122"/>
+              <a:cs typeface="Arial" panose="02080604020202020204" charset="0"/>
+            </a:endParaRPr>
+          </a:p>
+          <a:p>
+            <a:pPr lvl="2">
+              <a:lnSpc>
+                <a:spcPct val="100000"/>
+              </a:lnSpc>
+              <a:spcBef>
+                <a:spcPts val="0"/>
+              </a:spcBef>
+              <a:spcAft>
+                <a:spcPts val="0"/>
+              </a:spcAft>
+              <a:buFont typeface="Arial" panose="02080604020202020204" charset="0"/>
+              <a:buChar char="•"/>
+            </a:pPr>
+            <a:r>
+              <a:rPr lang="x-none" altLang="en-US" sz="1300" dirty="0" smtClean="0">
+                <a:latin typeface="Microsoft YaHei UI" panose="020B0503020204020204" pitchFamily="34" charset="-122"/>
+                <a:ea typeface="Microsoft YaHei UI" panose="020B0503020204020204" pitchFamily="34" charset="-122"/>
+                <a:cs typeface="Arial" panose="02080604020202020204" charset="0"/>
+                <a:sym typeface="+mn-ea"/>
+              </a:rPr>
+              <a:t>WAVE1/SCAR</a:t>
+            </a:r>
+            <a:endParaRPr lang="x-none" altLang="en-US" sz="1300" dirty="0" smtClean="0">
+              <a:latin typeface="Microsoft YaHei UI" panose="020B0503020204020204" pitchFamily="34" charset="-122"/>
+              <a:ea typeface="Microsoft YaHei UI" panose="020B0503020204020204" pitchFamily="34" charset="-122"/>
+              <a:cs typeface="Arial" panose="02080604020202020204" charset="0"/>
+            </a:endParaRPr>
+          </a:p>
+          <a:p>
+            <a:pPr marL="548640" lvl="2" indent="0">
+              <a:lnSpc>
+                <a:spcPct val="100000"/>
+              </a:lnSpc>
+              <a:spcBef>
+                <a:spcPts val="0"/>
+              </a:spcBef>
+              <a:spcAft>
+                <a:spcPts val="0"/>
+              </a:spcAft>
+              <a:buFont typeface="Arial" panose="02080604020202020204" charset="0"/>
+              <a:buNone/>
+            </a:pPr>
+            <a:r>
+              <a:rPr lang="x-none" altLang="en-US" sz="1300" dirty="0" smtClean="0">
+                <a:latin typeface="Microsoft YaHei UI" panose="020B0503020204020204" pitchFamily="34" charset="-122"/>
+                <a:ea typeface="Microsoft YaHei UI" panose="020B0503020204020204" pitchFamily="34" charset="-122"/>
+                <a:cs typeface="Arial" panose="02080604020202020204" charset="0"/>
+                <a:sym typeface="+mn-ea"/>
+              </a:rPr>
+              <a:t>Different WRC isoforms can be assembled from combinations of different orthologs of each component.</a:t>
+            </a:r>
+            <a:endParaRPr lang="x-none" altLang="en-US" sz="1350" dirty="0" smtClean="0">
+              <a:latin typeface="Microsoft YaHei UI" panose="020B0503020204020204" pitchFamily="34" charset="-122"/>
+              <a:ea typeface="Microsoft YaHei UI" panose="020B0503020204020204" pitchFamily="34" charset="-122"/>
+              <a:cs typeface="Arial" panose="02080604020202020204" charset="0"/>
+            </a:endParaRPr>
+          </a:p>
+          <a:p>
+            <a:pPr lvl="1">
+              <a:lnSpc>
+                <a:spcPct val="100000"/>
+              </a:lnSpc>
+              <a:spcBef>
+                <a:spcPts val="0"/>
+              </a:spcBef>
+              <a:spcAft>
+                <a:spcPts val="0"/>
+              </a:spcAft>
+              <a:buFont typeface="Arial" panose="02080604020202020204" charset="0"/>
+              <a:buChar char="•"/>
+            </a:pPr>
+            <a:r>
+              <a:rPr lang="x-none" altLang="en-US" sz="1350" dirty="0" smtClean="0">
+                <a:latin typeface="Microsoft YaHei UI" panose="020B0503020204020204" pitchFamily="34" charset="-122"/>
+                <a:ea typeface="Microsoft YaHei UI" panose="020B0503020204020204" pitchFamily="34" charset="-122"/>
+                <a:cs typeface="Arial" panose="02080604020202020204" charset="0"/>
+              </a:rPr>
+              <a:t>With the WRC, the activity of WAVE toward the Arp2/3 complex is inhibited by intracomplex sequenstration</a:t>
+            </a:r>
+            <a:endParaRPr lang="x-none" altLang="en-US" sz="1350" dirty="0" smtClean="0">
+              <a:latin typeface="Microsoft YaHei UI" panose="020B0503020204020204" pitchFamily="34" charset="-122"/>
+              <a:ea typeface="Microsoft YaHei UI" panose="020B0503020204020204" pitchFamily="34" charset="-122"/>
+              <a:cs typeface="Arial" panose="02080604020202020204" charset="0"/>
+            </a:endParaRPr>
+          </a:p>
+          <a:p>
+            <a:pPr lvl="1">
+              <a:lnSpc>
+                <a:spcPct val="100000"/>
+              </a:lnSpc>
+              <a:spcBef>
+                <a:spcPts val="0"/>
+              </a:spcBef>
+              <a:spcAft>
+                <a:spcPts val="0"/>
+              </a:spcAft>
+              <a:buFont typeface="Arial" panose="02080604020202020204" charset="0"/>
+              <a:buChar char="•"/>
+            </a:pPr>
+            <a:r>
+              <a:rPr lang="x-none" altLang="en-US" sz="1350" dirty="0" smtClean="0">
+                <a:latin typeface="Microsoft YaHei UI" panose="020B0503020204020204" pitchFamily="34" charset="-122"/>
+                <a:ea typeface="Microsoft YaHei UI" panose="020B0503020204020204" pitchFamily="34" charset="-122"/>
+                <a:cs typeface="Arial" panose="02080604020202020204" charset="0"/>
+              </a:rPr>
+              <a:t>But PCDH10 and PCDH19 do not belong to the four class</a:t>
+            </a:r>
+            <a:endParaRPr lang="x-none" altLang="en-US" sz="1350" dirty="0" smtClean="0">
+              <a:latin typeface="Microsoft YaHei UI" panose="020B0503020204020204" pitchFamily="34" charset="-122"/>
+              <a:ea typeface="Microsoft YaHei UI" panose="020B0503020204020204" pitchFamily="34" charset="-122"/>
+              <a:cs typeface="Arial" panose="02080604020202020204" charset="0"/>
+            </a:endParaRPr>
+          </a:p>
+          <a:p>
+            <a:pPr lvl="2">
+              <a:lnSpc>
+                <a:spcPct val="100000"/>
+              </a:lnSpc>
+              <a:spcBef>
+                <a:spcPts val="0"/>
+              </a:spcBef>
+              <a:spcAft>
+                <a:spcPts val="0"/>
+              </a:spcAft>
+              <a:buFont typeface="Arial" panose="02080604020202020204" charset="0"/>
+              <a:buChar char="•"/>
+            </a:pPr>
+            <a:r>
               <a:rPr lang="x-none" altLang="en-US" sz="1180" dirty="0" smtClean="0">
                 <a:latin typeface="Microsoft YaHei UI" panose="020B0503020204020204" pitchFamily="34" charset="-122"/>
                 <a:ea typeface="Microsoft YaHei UI" panose="020B0503020204020204" pitchFamily="34" charset="-122"/>
                 <a:cs typeface="Arial" panose="02080604020202020204" charset="0"/>
               </a:rPr>
-              <a:t>Sra1/Cyfip1</a:t>
+              <a:t>Wonder whether they might represent a new calss</a:t>
             </a:r>
             <a:endParaRPr lang="x-none" altLang="en-US" sz="1180" dirty="0" smtClean="0">
               <a:latin typeface="Microsoft YaHei UI" panose="020B0503020204020204" pitchFamily="34" charset="-122"/>
               <a:ea typeface="Microsoft YaHei UI" panose="020B0503020204020204" pitchFamily="34" charset="-122"/>
               <a:cs typeface="Arial" panose="02080604020202020204" charset="0"/>
+            </a:endParaRPr>
+          </a:p>
+          <a:p>
+            <a:pPr lvl="2">
+              <a:lnSpc>
+                <a:spcPct val="100000"/>
+              </a:lnSpc>
+              <a:spcBef>
+                <a:spcPts val="0"/>
+              </a:spcBef>
+              <a:spcAft>
+                <a:spcPts val="0"/>
+              </a:spcAft>
+              <a:buFont typeface="Arial" panose="02080604020202020204" charset="0"/>
+              <a:buChar char="•"/>
+            </a:pPr>
+            <a:r>
+              <a:rPr lang="x-none" altLang="en-US" sz="1180" dirty="0" smtClean="0">
+                <a:latin typeface="Microsoft YaHei UI" panose="020B0503020204020204" pitchFamily="34" charset="-122"/>
+                <a:ea typeface="Microsoft YaHei UI" panose="020B0503020204020204" pitchFamily="34" charset="-122"/>
+                <a:cs typeface="Arial" panose="02080604020202020204" charset="0"/>
+              </a:rPr>
+              <a:t>Biochemimical studies of the PCDH10/WRC interaction</a:t>
+            </a:r>
+            <a:endParaRPr lang="x-none" altLang="en-US" sz="1180" dirty="0" smtClean="0">
+              <a:latin typeface="Microsoft YaHei UI" panose="020B0503020204020204" pitchFamily="34" charset="-122"/>
+              <a:ea typeface="Microsoft YaHei UI" panose="020B0503020204020204" pitchFamily="34" charset="-122"/>
+              <a:cs typeface="Arial" panose="02080604020202020204" charset="0"/>
+            </a:endParaRPr>
+          </a:p>
+          <a:p>
+            <a:pPr lvl="2">
+              <a:lnSpc>
+                <a:spcPct val="100000"/>
+              </a:lnSpc>
+              <a:spcBef>
+                <a:spcPts val="0"/>
+              </a:spcBef>
+              <a:spcAft>
+                <a:spcPts val="0"/>
+              </a:spcAft>
+              <a:buFont typeface="Arial" panose="02080604020202020204" charset="0"/>
+              <a:buChar char="•"/>
+            </a:pPr>
+            <a:r>
+              <a:rPr lang="x-none" altLang="en-US" sz="1100" dirty="0" smtClean="0">
+                <a:latin typeface="Microsoft YaHei UI" panose="020B0503020204020204" pitchFamily="34" charset="-122"/>
+                <a:ea typeface="Microsoft YaHei UI" panose="020B0503020204020204" pitchFamily="34" charset="-122"/>
+                <a:cs typeface="Arial" panose="02080604020202020204" charset="0"/>
+                <a:sym typeface="+mn-ea"/>
+              </a:rPr>
+              <a:t>A conserved peptide motif, the WRC interacting receptor sequence(WIRS)</a:t>
+            </a:r>
+            <a:endParaRPr lang="x-none" altLang="en-US" sz="1100" dirty="0" smtClean="0">
+              <a:latin typeface="Microsoft YaHei UI" panose="020B0503020204020204" pitchFamily="34" charset="-122"/>
+              <a:ea typeface="Microsoft YaHei UI" panose="020B0503020204020204" pitchFamily="34" charset="-122"/>
+              <a:cs typeface="Arial" panose="02080604020202020204" charset="0"/>
+              <a:sym typeface="+mn-ea"/>
             </a:endParaRPr>
           </a:p>
           <a:p>
@@ -4661,6 +6070,68 @@
         <p:cNvGrpSpPr/>
         <p:nvPr/>
       </p:nvGrpSpPr>
+      <p:grpSpPr/>
+      <p:sp>
+        <p:nvSpPr>
+          <p:cNvPr id="2" name="标题 1"/>
+          <p:cNvSpPr>
+            <a:spLocks noGrp="1"/>
+          </p:cNvSpPr>
+          <p:nvPr>
+            <p:ph type="title"/>
+          </p:nvPr>
+        </p:nvSpPr>
+        <p:spPr/>
+        <p:txBody>
+          <a:bodyPr/>
+          <a:p>
+            <a:endParaRPr lang="zh-CN" altLang="en-US"/>
+          </a:p>
+        </p:txBody>
+      </p:sp>
+      <p:pic>
+        <p:nvPicPr>
+          <p:cNvPr id="4" name="内容占位符 3"/>
+          <p:cNvPicPr>
+            <a:picLocks noChangeAspect="1"/>
+          </p:cNvPicPr>
+          <p:nvPr>
+            <p:ph idx="1"/>
+          </p:nvPr>
+        </p:nvPicPr>
+        <p:blipFill>
+          <a:blip r:embed="rId1"/>
+          <a:stretch>
+            <a:fillRect/>
+          </a:stretch>
+        </p:blipFill>
+        <p:spPr>
+          <a:xfrm>
+            <a:off x="2383155" y="2218055"/>
+            <a:ext cx="3571875" cy="3571875"/>
+          </a:xfrm>
+          <a:prstGeom prst="rect">
+            <a:avLst/>
+          </a:prstGeom>
+        </p:spPr>
+      </p:pic>
+    </p:spTree>
+  </p:cSld>
+  <p:clrMapOvr>
+    <a:masterClrMapping/>
+  </p:clrMapOvr>
+</p:sld>
+</file>
+
+<file path=ppt/slides/slide5.xml><?xml version="1.0" encoding="utf-8"?>
+<p:sld xmlns:a="http://schemas.openxmlformats.org/drawingml/2006/main" xmlns:r="http://schemas.openxmlformats.org/officeDocument/2006/relationships" xmlns:p="http://schemas.openxmlformats.org/presentationml/2006/main">
+  <p:cSld>
+    <p:spTree>
+      <p:nvGrpSpPr>
+        <p:cNvPr id="1" name=""/>
+        <p:cNvGrpSpPr/>
+        <p:nvPr/>
+      </p:nvGrpSpPr>
       <p:grpSpPr>
         <a:xfrm>
           <a:off x="0" y="0"/>
@@ -4726,7 +6197,207 @@
 </p:sld>
 </file>
 
-<file path=ppt/slides/slide5.xml><?xml version="1.0" encoding="utf-8"?>
+<file path=ppt/slides/slide6.xml><?xml version="1.0" encoding="utf-8"?>
+<p:sld xmlns:a="http://schemas.openxmlformats.org/drawingml/2006/main" xmlns:r="http://schemas.openxmlformats.org/officeDocument/2006/relationships" xmlns:p="http://schemas.openxmlformats.org/presentationml/2006/main">
+  <p:cSld>
+    <p:spTree>
+      <p:nvGrpSpPr>
+        <p:cNvPr id="1" name=""/>
+        <p:cNvGrpSpPr/>
+        <p:nvPr/>
+      </p:nvGrpSpPr>
+      <p:grpSpPr/>
+      <p:sp>
+        <p:nvSpPr>
+          <p:cNvPr id="2" name="标题 1"/>
+          <p:cNvSpPr>
+            <a:spLocks noGrp="1"/>
+          </p:cNvSpPr>
+          <p:nvPr>
+            <p:ph type="title"/>
+          </p:nvPr>
+        </p:nvSpPr>
+        <p:spPr>
+          <a:xfrm>
+            <a:off x="595630" y="74295"/>
+            <a:ext cx="8131175" cy="913130"/>
+          </a:xfrm>
+        </p:spPr>
+        <p:txBody>
+          <a:bodyPr>
+            <a:normAutofit fontScale="90000"/>
+          </a:bodyPr>
+          <a:p>
+            <a:r>
+              <a:rPr lang="x-none" altLang="zh-CN"/>
+              <a:t>WRC Binds to a Motif in PCDH10</a:t>
+            </a:r>
+            <a:endParaRPr lang="x-none" altLang="zh-CN"/>
+          </a:p>
+        </p:txBody>
+      </p:sp>
+      <p:sp>
+        <p:nvSpPr>
+          <p:cNvPr id="3" name="内容占位符 2"/>
+          <p:cNvSpPr>
+            <a:spLocks noGrp="1"/>
+          </p:cNvSpPr>
+          <p:nvPr>
+            <p:ph idx="1"/>
+          </p:nvPr>
+        </p:nvSpPr>
+        <p:spPr/>
+        <p:txBody>
+          <a:bodyPr/>
+          <a:p>
+            <a:r>
+              <a:rPr lang="x-none" altLang="zh-CN"/>
+              <a:t>Whether the interation was direct</a:t>
+            </a:r>
+            <a:endParaRPr lang="x-none" altLang="zh-CN"/>
+          </a:p>
+          <a:p>
+            <a:pPr lvl="1"/>
+            <a:r>
+              <a:rPr lang="x-none" altLang="zh-CN" sz="1600"/>
+              <a:t>ITC</a:t>
+            </a:r>
+            <a:r>
+              <a:rPr lang="x-none" altLang="zh-CN"/>
+              <a:t>---Yes</a:t>
+            </a:r>
+            <a:endParaRPr lang="x-none" altLang="zh-CN"/>
+          </a:p>
+          <a:p>
+            <a:r>
+              <a:rPr lang="x-none" altLang="zh-CN"/>
+              <a:t>Which sequence(s) were responsible</a:t>
+            </a:r>
+            <a:endParaRPr lang="x-none" altLang="zh-CN"/>
+          </a:p>
+          <a:p>
+            <a:pPr lvl="1"/>
+            <a:r>
+              <a:rPr lang="x-none" altLang="zh-CN" sz="1600"/>
+              <a:t>Point Mutations</a:t>
+            </a:r>
+            <a:r>
+              <a:rPr lang="x-none" altLang="zh-CN"/>
+              <a:t>---WIRS</a:t>
+            </a:r>
+            <a:endParaRPr lang="x-none" altLang="zh-CN"/>
+          </a:p>
+        </p:txBody>
+      </p:sp>
+      <p:pic>
+        <p:nvPicPr>
+          <p:cNvPr id="4" name="图片 3"/>
+          <p:cNvPicPr>
+            <a:picLocks noChangeAspect="1"/>
+          </p:cNvPicPr>
+          <p:nvPr/>
+        </p:nvPicPr>
+        <p:blipFill>
+          <a:blip r:embed="rId1"/>
+          <a:stretch>
+            <a:fillRect/>
+          </a:stretch>
+        </p:blipFill>
+        <p:spPr>
+          <a:xfrm>
+            <a:off x="762635" y="3220085"/>
+            <a:ext cx="7247890" cy="2971165"/>
+          </a:xfrm>
+          <a:prstGeom prst="rect">
+            <a:avLst/>
+          </a:prstGeom>
+        </p:spPr>
+      </p:pic>
+    </p:spTree>
+  </p:cSld>
+  <p:clrMapOvr>
+    <a:masterClrMapping/>
+  </p:clrMapOvr>
+</p:sld>
+</file>
+
+<file path=ppt/slides/slide7.xml><?xml version="1.0" encoding="utf-8"?>
+<p:sld xmlns:a="http://schemas.openxmlformats.org/drawingml/2006/main" xmlns:r="http://schemas.openxmlformats.org/officeDocument/2006/relationships" xmlns:p="http://schemas.openxmlformats.org/presentationml/2006/main">
+  <p:cSld>
+    <p:spTree>
+      <p:nvGrpSpPr>
+        <p:cNvPr id="1" name=""/>
+        <p:cNvGrpSpPr/>
+        <p:nvPr/>
+      </p:nvGrpSpPr>
+      <p:grpSpPr/>
+      <p:sp>
+        <p:nvSpPr>
+          <p:cNvPr id="2" name="标题 1"/>
+          <p:cNvSpPr>
+            <a:spLocks noGrp="1"/>
+          </p:cNvSpPr>
+          <p:nvPr>
+            <p:ph type="title"/>
+          </p:nvPr>
+        </p:nvSpPr>
+        <p:spPr>
+          <a:xfrm>
+            <a:off x="678180" y="335280"/>
+            <a:ext cx="7269480" cy="791210"/>
+          </a:xfrm>
+        </p:spPr>
+        <p:txBody>
+          <a:bodyPr>
+            <a:normAutofit/>
+          </a:bodyPr>
+          <a:p>
+            <a:r>
+              <a:rPr lang="x-none" altLang="zh-CN" sz="2400"/>
+              <a:t>Reveals Binding Mechanism from Crystal Structure</a:t>
+            </a:r>
+            <a:endParaRPr lang="x-none" altLang="zh-CN" sz="2400"/>
+          </a:p>
+        </p:txBody>
+      </p:sp>
+      <p:sp>
+        <p:nvSpPr>
+          <p:cNvPr id="3" name="内容占位符 2"/>
+          <p:cNvSpPr>
+            <a:spLocks noGrp="1"/>
+          </p:cNvSpPr>
+          <p:nvPr>
+            <p:ph idx="1"/>
+          </p:nvPr>
+        </p:nvSpPr>
+        <p:spPr/>
+        <p:txBody>
+          <a:bodyPr/>
+          <a:p>
+            <a:r>
+              <a:rPr lang="x-none" altLang="zh-CN"/>
+              <a:t>Where WIRS motif binds to the WRC?</a:t>
+            </a:r>
+            <a:endParaRPr lang="x-none" altLang="zh-CN"/>
+          </a:p>
+          <a:p>
+            <a:r>
+              <a:rPr lang="x-none" altLang="zh-CN"/>
+              <a:t>How WIRS motif binds to the WRC?</a:t>
+            </a:r>
+            <a:endParaRPr lang="x-none" altLang="zh-CN"/>
+          </a:p>
+        </p:txBody>
+      </p:sp>
+    </p:spTree>
+  </p:cSld>
+  <p:clrMapOvr>
+    <a:masterClrMapping/>
+  </p:clrMapOvr>
+</p:sld>
+</file>
+
+<file path=ppt/slides/slide8.xml><?xml version="1.0" encoding="utf-8"?>
 <p:sld xmlns:a="http://schemas.openxmlformats.org/drawingml/2006/main" xmlns:r="http://schemas.openxmlformats.org/officeDocument/2006/relationships" xmlns:p="http://schemas.openxmlformats.org/presentationml/2006/main">
   <p:cSld>
     <p:spTree>
@@ -5720,7 +7391,7 @@
 </p:sld>
 </file>
 
-<file path=ppt/slides/slide6.xml><?xml version="1.0" encoding="utf-8"?>
+<file path=ppt/slides/slide9.xml><?xml version="1.0" encoding="utf-8"?>
 <p:sld xmlns:a="http://schemas.openxmlformats.org/drawingml/2006/main" xmlns:r="http://schemas.openxmlformats.org/officeDocument/2006/relationships" xmlns:p="http://schemas.openxmlformats.org/presentationml/2006/main">
   <p:cSld>
     <p:spTree>
@@ -6157,930 +7828,6 @@
 </p:sld>
 </file>
 
-<file path=ppt/slides/slide7.xml><?xml version="1.0" encoding="utf-8"?>
-<p:sld xmlns:a="http://schemas.openxmlformats.org/drawingml/2006/main" xmlns:r="http://schemas.openxmlformats.org/officeDocument/2006/relationships" xmlns:p="http://schemas.openxmlformats.org/presentationml/2006/main">
-  <p:cSld>
-    <p:spTree>
-      <p:nvGrpSpPr>
-        <p:cNvPr id="1" name=""/>
-        <p:cNvGrpSpPr/>
-        <p:nvPr/>
-      </p:nvGrpSpPr>
-      <p:grpSpPr>
-        <a:xfrm>
-          <a:off x="0" y="0"/>
-          <a:ext cx="0" cy="0"/>
-          <a:chOff x="0" y="0"/>
-          <a:chExt cx="0" cy="0"/>
-        </a:xfrm>
-      </p:grpSpPr>
-      <p:sp>
-        <p:nvSpPr>
-          <p:cNvPr id="14" name="标题 1"/>
-          <p:cNvSpPr>
-            <a:spLocks noGrp="1"/>
-          </p:cNvSpPr>
-          <p:nvPr>
-            <p:ph type="title"/>
-          </p:nvPr>
-        </p:nvSpPr>
-        <p:spPr>
-          <a:xfrm>
-            <a:off x="256623" y="1026064"/>
-            <a:ext cx="8100012" cy="810001"/>
-          </a:xfrm>
-        </p:spPr>
-        <p:txBody>
-          <a:bodyPr>
-            <a:normAutofit fontScale="90000"/>
-          </a:bodyPr>
-          <a:lstStyle/>
-          <a:p>
-            <a:r>
-              <a:rPr lang="en-US" altLang="zh-CN" sz="2700" dirty="0">
-                <a:latin typeface="黑体" panose="02010609060101010101" pitchFamily="49" charset="-122"/>
-                <a:ea typeface="黑体" panose="02010609060101010101" pitchFamily="49" charset="-122"/>
-              </a:rPr>
-              <a:t>WIRS-Containing Tails Have </a:t>
-            </a:r>
-            <a:r>
-              <a:rPr lang="en-US" altLang="zh-CN" sz="2700" dirty="0" smtClean="0">
-                <a:latin typeface="黑体" panose="02010609060101010101" pitchFamily="49" charset="-122"/>
-                <a:ea typeface="黑体" panose="02010609060101010101" pitchFamily="49" charset="-122"/>
-              </a:rPr>
-              <a:t>Various Effects </a:t>
-            </a:r>
-            <a:r>
-              <a:rPr lang="en-US" altLang="zh-CN" sz="2700" dirty="0">
-                <a:latin typeface="黑体" panose="02010609060101010101" pitchFamily="49" charset="-122"/>
-                <a:ea typeface="黑体" panose="02010609060101010101" pitchFamily="49" charset="-122"/>
-              </a:rPr>
-              <a:t>on WRC Activity</a:t>
-            </a:r>
-            <a:endParaRPr lang="zh-CN" altLang="en-US" sz="2700" dirty="0">
-              <a:latin typeface="黑体" panose="02010609060101010101" pitchFamily="49" charset="-122"/>
-              <a:ea typeface="黑体" panose="02010609060101010101" pitchFamily="49" charset="-122"/>
-            </a:endParaRPr>
-          </a:p>
-        </p:txBody>
-      </p:sp>
-      <p:sp>
-        <p:nvSpPr>
-          <p:cNvPr id="7" name="内容占位符 2"/>
-          <p:cNvSpPr>
-            <a:spLocks noGrp="1"/>
-          </p:cNvSpPr>
-          <p:nvPr>
-            <p:ph idx="1"/>
-          </p:nvPr>
-        </p:nvSpPr>
-        <p:spPr>
-          <a:xfrm>
-            <a:off x="256623" y="1836065"/>
-            <a:ext cx="3780006" cy="4050006"/>
-          </a:xfrm>
-        </p:spPr>
-        <p:txBody>
-          <a:bodyPr>
-            <a:normAutofit lnSpcReduction="10000"/>
-          </a:bodyPr>
-          <a:lstStyle/>
-          <a:p>
-            <a:pPr>
-              <a:lnSpc>
-                <a:spcPct val="100000"/>
-              </a:lnSpc>
-              <a:spcBef>
-                <a:spcPts val="0"/>
-              </a:spcBef>
-              <a:spcAft>
-                <a:spcPts val="0"/>
-              </a:spcAft>
-              <a:buFont typeface="Wingdings" panose="05000000000000000000" charset="2"/>
-              <a:buChar char="l"/>
-            </a:pPr>
-            <a:endParaRPr lang="en-US" altLang="zh-CN" b="1" dirty="0" smtClean="0">
-              <a:latin typeface="Microsoft YaHei UI" panose="020B0503020204020204" pitchFamily="34" charset="-122"/>
-              <a:ea typeface="Microsoft YaHei UI" panose="020B0503020204020204" pitchFamily="34" charset="-122"/>
-              <a:cs typeface="Arial" panose="02080604020202020204" charset="0"/>
-            </a:endParaRPr>
-          </a:p>
-          <a:p>
-            <a:pPr>
-              <a:lnSpc>
-                <a:spcPct val="100000"/>
-              </a:lnSpc>
-              <a:spcBef>
-                <a:spcPts val="0"/>
-              </a:spcBef>
-              <a:spcAft>
-                <a:spcPts val="0"/>
-              </a:spcAft>
-              <a:buFont typeface="Wingdings" panose="05000000000000000000" charset="2"/>
-              <a:buChar char="l"/>
-            </a:pPr>
-            <a:r>
-              <a:rPr lang="en-US" altLang="zh-CN" b="1" dirty="0" smtClean="0">
-                <a:latin typeface="Microsoft YaHei UI" panose="020B0503020204020204" pitchFamily="34" charset="-122"/>
-                <a:ea typeface="Microsoft YaHei UI" panose="020B0503020204020204" pitchFamily="34" charset="-122"/>
-                <a:cs typeface="Arial" panose="02080604020202020204" charset="0"/>
-              </a:rPr>
-              <a:t>Minimal activation on its own: </a:t>
-            </a:r>
-            <a:r>
-              <a:rPr lang="en-US" altLang="zh-CN" sz="1200" dirty="0" smtClean="0">
-                <a:latin typeface="Microsoft YaHei UI" panose="020B0503020204020204" pitchFamily="34" charset="-122"/>
-                <a:ea typeface="Microsoft YaHei UI" panose="020B0503020204020204" pitchFamily="34" charset="-122"/>
-                <a:cs typeface="Arial" panose="02080604020202020204" charset="0"/>
-              </a:rPr>
-              <a:t>neither </a:t>
-            </a:r>
-            <a:r>
-              <a:rPr lang="en-US" altLang="zh-CN" sz="1200" dirty="0">
-                <a:latin typeface="Microsoft YaHei UI" panose="020B0503020204020204" pitchFamily="34" charset="-122"/>
-                <a:ea typeface="Microsoft YaHei UI" panose="020B0503020204020204" pitchFamily="34" charset="-122"/>
-                <a:cs typeface="Arial" panose="02080604020202020204" charset="0"/>
-              </a:rPr>
-              <a:t>the WIRS peptide nor </a:t>
-            </a:r>
-            <a:r>
-              <a:rPr lang="en-US" altLang="zh-CN" sz="1200" dirty="0" smtClean="0">
-                <a:latin typeface="Microsoft YaHei UI" panose="020B0503020204020204" pitchFamily="34" charset="-122"/>
-                <a:ea typeface="Microsoft YaHei UI" panose="020B0503020204020204" pitchFamily="34" charset="-122"/>
-                <a:cs typeface="Arial" panose="02080604020202020204" charset="0"/>
-              </a:rPr>
-              <a:t>the PCDH10 </a:t>
-            </a:r>
-            <a:r>
-              <a:rPr lang="en-US" altLang="zh-CN" sz="1200" dirty="0">
-                <a:latin typeface="Microsoft YaHei UI" panose="020B0503020204020204" pitchFamily="34" charset="-122"/>
-                <a:ea typeface="Microsoft YaHei UI" panose="020B0503020204020204" pitchFamily="34" charset="-122"/>
-                <a:cs typeface="Arial" panose="02080604020202020204" charset="0"/>
-              </a:rPr>
-              <a:t>CT increased activity of </a:t>
-            </a:r>
-            <a:r>
-              <a:rPr lang="en-US" altLang="zh-CN" sz="1200" dirty="0" smtClean="0">
-                <a:latin typeface="Microsoft YaHei UI" panose="020B0503020204020204" pitchFamily="34" charset="-122"/>
-                <a:ea typeface="Microsoft YaHei UI" panose="020B0503020204020204" pitchFamily="34" charset="-122"/>
-                <a:cs typeface="Arial" panose="02080604020202020204" charset="0"/>
-              </a:rPr>
-              <a:t>the WRC </a:t>
-            </a:r>
-            <a:r>
-              <a:rPr lang="en-US" altLang="zh-CN" sz="1200" dirty="0">
-                <a:latin typeface="Microsoft YaHei UI" panose="020B0503020204020204" pitchFamily="34" charset="-122"/>
-                <a:ea typeface="Microsoft YaHei UI" panose="020B0503020204020204" pitchFamily="34" charset="-122"/>
-                <a:cs typeface="Arial" panose="02080604020202020204" charset="0"/>
-              </a:rPr>
-              <a:t>toward the Arp2/3 </a:t>
-            </a:r>
-            <a:r>
-              <a:rPr lang="en-US" altLang="zh-CN" sz="1200" dirty="0" smtClean="0">
-                <a:latin typeface="Microsoft YaHei UI" panose="020B0503020204020204" pitchFamily="34" charset="-122"/>
-                <a:ea typeface="Microsoft YaHei UI" panose="020B0503020204020204" pitchFamily="34" charset="-122"/>
-                <a:cs typeface="Arial" panose="02080604020202020204" charset="0"/>
-              </a:rPr>
-              <a:t>complex</a:t>
-            </a:r>
-            <a:r>
-              <a:rPr lang="en-US" altLang="zh-CN" dirty="0" smtClean="0">
-                <a:latin typeface="Microsoft YaHei UI" panose="020B0503020204020204" pitchFamily="34" charset="-122"/>
-                <a:ea typeface="Microsoft YaHei UI" panose="020B0503020204020204" pitchFamily="34" charset="-122"/>
-                <a:cs typeface="Arial" panose="02080604020202020204" charset="0"/>
-              </a:rPr>
-              <a:t>.</a:t>
-            </a:r>
-            <a:endParaRPr lang="en-US" altLang="zh-CN" dirty="0" smtClean="0">
-              <a:latin typeface="Microsoft YaHei UI" panose="020B0503020204020204" pitchFamily="34" charset="-122"/>
-              <a:ea typeface="Microsoft YaHei UI" panose="020B0503020204020204" pitchFamily="34" charset="-122"/>
-              <a:cs typeface="Arial" panose="02080604020202020204" charset="0"/>
-            </a:endParaRPr>
-          </a:p>
-          <a:p>
-            <a:pPr>
-              <a:lnSpc>
-                <a:spcPct val="100000"/>
-              </a:lnSpc>
-              <a:spcBef>
-                <a:spcPts val="0"/>
-              </a:spcBef>
-              <a:spcAft>
-                <a:spcPts val="0"/>
-              </a:spcAft>
-              <a:buFont typeface="Wingdings" panose="05000000000000000000" charset="2"/>
-              <a:buChar char="l"/>
-            </a:pPr>
-            <a:endParaRPr lang="en-US" altLang="zh-CN" dirty="0" smtClean="0">
-              <a:latin typeface="Microsoft YaHei UI" panose="020B0503020204020204" pitchFamily="34" charset="-122"/>
-              <a:ea typeface="Microsoft YaHei UI" panose="020B0503020204020204" pitchFamily="34" charset="-122"/>
-              <a:cs typeface="Arial" panose="02080604020202020204" charset="0"/>
-            </a:endParaRPr>
-          </a:p>
-          <a:p>
-            <a:pPr>
-              <a:lnSpc>
-                <a:spcPct val="100000"/>
-              </a:lnSpc>
-              <a:spcBef>
-                <a:spcPts val="0"/>
-              </a:spcBef>
-              <a:spcAft>
-                <a:spcPts val="0"/>
-              </a:spcAft>
-              <a:buFont typeface="Wingdings" panose="05000000000000000000" charset="2"/>
-              <a:buChar char="l"/>
-            </a:pPr>
-            <a:r>
-              <a:rPr lang="en-US" altLang="zh-CN" b="1" dirty="0" smtClean="0">
-                <a:latin typeface="Microsoft YaHei UI" panose="020B0503020204020204" pitchFamily="34" charset="-122"/>
-                <a:ea typeface="Microsoft YaHei UI" panose="020B0503020204020204" pitchFamily="34" charset="-122"/>
-                <a:cs typeface="Arial" panose="02080604020202020204" charset="0"/>
-              </a:rPr>
-              <a:t>Cooperation with Rac1: </a:t>
-            </a:r>
-            <a:r>
-              <a:rPr lang="en-US" altLang="zh-CN" sz="1200" dirty="0" smtClean="0">
-                <a:latin typeface="Microsoft YaHei UI" panose="020B0503020204020204" pitchFamily="34" charset="-122"/>
-                <a:ea typeface="Microsoft YaHei UI" panose="020B0503020204020204" pitchFamily="34" charset="-122"/>
-                <a:cs typeface="Arial" panose="02080604020202020204" charset="0"/>
-              </a:rPr>
-              <a:t>in </a:t>
-            </a:r>
-            <a:r>
-              <a:rPr lang="en-US" altLang="zh-CN" sz="1200" dirty="0">
-                <a:latin typeface="Microsoft YaHei UI" panose="020B0503020204020204" pitchFamily="34" charset="-122"/>
-                <a:ea typeface="Microsoft YaHei UI" panose="020B0503020204020204" pitchFamily="34" charset="-122"/>
-                <a:cs typeface="Arial" panose="02080604020202020204" charset="0"/>
-              </a:rPr>
-              <a:t>the presence of </a:t>
-            </a:r>
-            <a:r>
-              <a:rPr lang="en-US" altLang="zh-CN" sz="1200" dirty="0" err="1" smtClean="0">
-                <a:latin typeface="Microsoft YaHei UI" panose="020B0503020204020204" pitchFamily="34" charset="-122"/>
-                <a:ea typeface="Microsoft YaHei UI" panose="020B0503020204020204" pitchFamily="34" charset="-122"/>
-                <a:cs typeface="Arial" panose="02080604020202020204" charset="0"/>
-              </a:rPr>
-              <a:t>subsaturating</a:t>
-            </a:r>
-            <a:r>
-              <a:rPr lang="en-US" altLang="zh-CN" sz="1200" dirty="0" smtClean="0">
-                <a:latin typeface="Microsoft YaHei UI" panose="020B0503020204020204" pitchFamily="34" charset="-122"/>
-                <a:ea typeface="Microsoft YaHei UI" panose="020B0503020204020204" pitchFamily="34" charset="-122"/>
-                <a:cs typeface="Arial" panose="02080604020202020204" charset="0"/>
-              </a:rPr>
-              <a:t> concentrations </a:t>
-            </a:r>
-            <a:r>
-              <a:rPr lang="en-US" altLang="zh-CN" sz="1200" dirty="0">
-                <a:latin typeface="Microsoft YaHei UI" panose="020B0503020204020204" pitchFamily="34" charset="-122"/>
-                <a:ea typeface="Microsoft YaHei UI" panose="020B0503020204020204" pitchFamily="34" charset="-122"/>
-                <a:cs typeface="Arial" panose="02080604020202020204" charset="0"/>
-              </a:rPr>
-              <a:t>of Rac1, PCDH10 </a:t>
-            </a:r>
-            <a:r>
-              <a:rPr lang="en-US" altLang="zh-CN" sz="1200" dirty="0" smtClean="0">
-                <a:latin typeface="Microsoft YaHei UI" panose="020B0503020204020204" pitchFamily="34" charset="-122"/>
-                <a:ea typeface="Microsoft YaHei UI" panose="020B0503020204020204" pitchFamily="34" charset="-122"/>
-                <a:cs typeface="Arial" panose="02080604020202020204" charset="0"/>
-              </a:rPr>
-              <a:t>CT enhanced </a:t>
-            </a:r>
-            <a:r>
-              <a:rPr lang="en-US" altLang="zh-CN" sz="1200" dirty="0">
-                <a:latin typeface="Microsoft YaHei UI" panose="020B0503020204020204" pitchFamily="34" charset="-122"/>
-                <a:ea typeface="Microsoft YaHei UI" panose="020B0503020204020204" pitchFamily="34" charset="-122"/>
-                <a:cs typeface="Arial" panose="02080604020202020204" charset="0"/>
-              </a:rPr>
-              <a:t>the ability of Rac1 to </a:t>
-            </a:r>
-            <a:r>
-              <a:rPr lang="en-US" altLang="zh-CN" sz="1200" dirty="0" smtClean="0">
-                <a:latin typeface="Microsoft YaHei UI" panose="020B0503020204020204" pitchFamily="34" charset="-122"/>
-                <a:ea typeface="Microsoft YaHei UI" panose="020B0503020204020204" pitchFamily="34" charset="-122"/>
-                <a:cs typeface="Arial" panose="02080604020202020204" charset="0"/>
-              </a:rPr>
-              <a:t>stimulate WRC activity</a:t>
-            </a:r>
-            <a:r>
-              <a:rPr lang="en-US" altLang="zh-CN" dirty="0" smtClean="0">
-                <a:latin typeface="Microsoft YaHei UI" panose="020B0503020204020204" pitchFamily="34" charset="-122"/>
-                <a:ea typeface="Microsoft YaHei UI" panose="020B0503020204020204" pitchFamily="34" charset="-122"/>
-                <a:cs typeface="Arial" panose="02080604020202020204" charset="0"/>
-              </a:rPr>
-              <a:t>.</a:t>
-            </a:r>
-            <a:endParaRPr lang="en-US" altLang="zh-CN" dirty="0" smtClean="0">
-              <a:latin typeface="Microsoft YaHei UI" panose="020B0503020204020204" pitchFamily="34" charset="-122"/>
-              <a:ea typeface="Microsoft YaHei UI" panose="020B0503020204020204" pitchFamily="34" charset="-122"/>
-              <a:cs typeface="Arial" panose="02080604020202020204" charset="0"/>
-            </a:endParaRPr>
-          </a:p>
-          <a:p>
-            <a:pPr>
-              <a:lnSpc>
-                <a:spcPct val="100000"/>
-              </a:lnSpc>
-              <a:spcBef>
-                <a:spcPts val="0"/>
-              </a:spcBef>
-              <a:spcAft>
-                <a:spcPts val="0"/>
-              </a:spcAft>
-              <a:buFont typeface="Wingdings" panose="05000000000000000000" charset="2"/>
-              <a:buChar char="l"/>
-            </a:pPr>
-            <a:endParaRPr lang="en-US" altLang="zh-CN" dirty="0" smtClean="0">
-              <a:latin typeface="Microsoft YaHei UI" panose="020B0503020204020204" pitchFamily="34" charset="-122"/>
-              <a:ea typeface="Microsoft YaHei UI" panose="020B0503020204020204" pitchFamily="34" charset="-122"/>
-              <a:cs typeface="Arial" panose="02080604020202020204" charset="0"/>
-            </a:endParaRPr>
-          </a:p>
-          <a:p>
-            <a:pPr>
-              <a:lnSpc>
-                <a:spcPct val="100000"/>
-              </a:lnSpc>
-              <a:spcBef>
-                <a:spcPts val="0"/>
-              </a:spcBef>
-              <a:spcAft>
-                <a:spcPts val="0"/>
-              </a:spcAft>
-              <a:buFont typeface="Wingdings" panose="05000000000000000000" charset="2"/>
-              <a:buChar char="l"/>
-            </a:pPr>
-            <a:r>
-              <a:rPr lang="en-US" altLang="zh-CN" b="1" dirty="0" smtClean="0">
-                <a:latin typeface="Microsoft YaHei UI" panose="020B0503020204020204" pitchFamily="34" charset="-122"/>
-                <a:ea typeface="Microsoft YaHei UI" panose="020B0503020204020204" pitchFamily="34" charset="-122"/>
-                <a:cs typeface="Arial" panose="02080604020202020204" charset="0"/>
-              </a:rPr>
-              <a:t>WIRS motif only mediates binding: </a:t>
-            </a:r>
-            <a:r>
-              <a:rPr lang="en-US" altLang="zh-CN" sz="1200" dirty="0" smtClean="0">
-                <a:latin typeface="Microsoft YaHei UI" panose="020B0503020204020204" pitchFamily="34" charset="-122"/>
-                <a:ea typeface="Microsoft YaHei UI" panose="020B0503020204020204" pitchFamily="34" charset="-122"/>
-                <a:cs typeface="Arial" panose="02080604020202020204" charset="0"/>
-              </a:rPr>
-              <a:t>the </a:t>
-            </a:r>
-            <a:r>
-              <a:rPr lang="en-US" altLang="zh-CN" sz="1200" dirty="0">
-                <a:latin typeface="Microsoft YaHei UI" panose="020B0503020204020204" pitchFamily="34" charset="-122"/>
-                <a:ea typeface="Microsoft YaHei UI" panose="020B0503020204020204" pitchFamily="34" charset="-122"/>
-                <a:cs typeface="Arial" panose="02080604020202020204" charset="0"/>
-              </a:rPr>
-              <a:t>minimal WIRS peptide had no effect </a:t>
-            </a:r>
-            <a:r>
-              <a:rPr lang="en-US" altLang="zh-CN" sz="1200" dirty="0" smtClean="0">
-                <a:latin typeface="Microsoft YaHei UI" panose="020B0503020204020204" pitchFamily="34" charset="-122"/>
-                <a:ea typeface="Microsoft YaHei UI" panose="020B0503020204020204" pitchFamily="34" charset="-122"/>
-                <a:cs typeface="Arial" panose="02080604020202020204" charset="0"/>
-              </a:rPr>
-              <a:t>on Rac1 </a:t>
-            </a:r>
-            <a:r>
-              <a:rPr lang="en-US" altLang="zh-CN" sz="1200" dirty="0">
-                <a:latin typeface="Microsoft YaHei UI" panose="020B0503020204020204" pitchFamily="34" charset="-122"/>
-                <a:ea typeface="Microsoft YaHei UI" panose="020B0503020204020204" pitchFamily="34" charset="-122"/>
-                <a:cs typeface="Arial" panose="02080604020202020204" charset="0"/>
-              </a:rPr>
-              <a:t>stimulation, indicating that flanking sequences in </a:t>
-            </a:r>
-            <a:r>
-              <a:rPr lang="en-US" altLang="zh-CN" sz="1200" dirty="0" smtClean="0">
-                <a:latin typeface="Microsoft YaHei UI" panose="020B0503020204020204" pitchFamily="34" charset="-122"/>
-                <a:ea typeface="Microsoft YaHei UI" panose="020B0503020204020204" pitchFamily="34" charset="-122"/>
-                <a:cs typeface="Arial" panose="02080604020202020204" charset="0"/>
-              </a:rPr>
-              <a:t>the PCDH10 </a:t>
-            </a:r>
-            <a:r>
-              <a:rPr lang="en-US" altLang="zh-CN" sz="1200" dirty="0">
-                <a:latin typeface="Microsoft YaHei UI" panose="020B0503020204020204" pitchFamily="34" charset="-122"/>
-                <a:ea typeface="Microsoft YaHei UI" panose="020B0503020204020204" pitchFamily="34" charset="-122"/>
-                <a:cs typeface="Arial" panose="02080604020202020204" charset="0"/>
-              </a:rPr>
-              <a:t>CT are needed for this </a:t>
-            </a:r>
-            <a:r>
-              <a:rPr lang="en-US" altLang="zh-CN" sz="1200" dirty="0" smtClean="0">
-                <a:latin typeface="Microsoft YaHei UI" panose="020B0503020204020204" pitchFamily="34" charset="-122"/>
-                <a:ea typeface="Microsoft YaHei UI" panose="020B0503020204020204" pitchFamily="34" charset="-122"/>
-                <a:cs typeface="Arial" panose="02080604020202020204" charset="0"/>
-              </a:rPr>
-              <a:t>activity.</a:t>
-            </a:r>
-            <a:endParaRPr lang="en-US" altLang="zh-CN" sz="1350" dirty="0">
-              <a:latin typeface="Microsoft YaHei UI" panose="020B0503020204020204" pitchFamily="34" charset="-122"/>
-              <a:ea typeface="Microsoft YaHei UI" panose="020B0503020204020204" pitchFamily="34" charset="-122"/>
-              <a:cs typeface="Arial" panose="02080604020202020204" charset="0"/>
-            </a:endParaRPr>
-          </a:p>
-          <a:p>
-            <a:pPr lvl="1">
-              <a:lnSpc>
-                <a:spcPct val="150000"/>
-              </a:lnSpc>
-              <a:spcBef>
-                <a:spcPts val="0"/>
-              </a:spcBef>
-              <a:spcAft>
-                <a:spcPts val="0"/>
-              </a:spcAft>
-              <a:buFont typeface="Arial" panose="02080604020202020204" charset="0"/>
-              <a:buChar char="•"/>
-            </a:pPr>
-            <a:endParaRPr lang="en-US" altLang="zh-CN" sz="1350" dirty="0">
-              <a:latin typeface="Microsoft YaHei UI" panose="020B0503020204020204" pitchFamily="34" charset="-122"/>
-              <a:ea typeface="Microsoft YaHei UI" panose="020B0503020204020204" pitchFamily="34" charset="-122"/>
-              <a:cs typeface="Arial" panose="02080604020202020204" charset="0"/>
-            </a:endParaRPr>
-          </a:p>
-        </p:txBody>
-      </p:sp>
-      <p:pic>
-        <p:nvPicPr>
-          <p:cNvPr id="2" name="图片 1"/>
-          <p:cNvPicPr>
-            <a:picLocks noChangeAspect="1"/>
-          </p:cNvPicPr>
-          <p:nvPr/>
-        </p:nvPicPr>
-        <p:blipFill rotWithShape="1">
-          <a:blip r:embed="rId1"/>
-          <a:srcRect r="51720" b="68301"/>
-          <a:stretch>
-            <a:fillRect/>
-          </a:stretch>
-        </p:blipFill>
-        <p:spPr>
-          <a:xfrm>
-            <a:off x="4036628" y="2078281"/>
-            <a:ext cx="4024567" cy="1540572"/>
-          </a:xfrm>
-          <a:prstGeom prst="rect">
-            <a:avLst/>
-          </a:prstGeom>
-        </p:spPr>
-      </p:pic>
-      <p:pic>
-        <p:nvPicPr>
-          <p:cNvPr id="10" name="图片 9"/>
-          <p:cNvPicPr>
-            <a:picLocks noChangeAspect="1"/>
-          </p:cNvPicPr>
-          <p:nvPr/>
-        </p:nvPicPr>
-        <p:blipFill rotWithShape="1">
-          <a:blip r:embed="rId1"/>
-          <a:srcRect l="47768" b="68757"/>
-          <a:stretch>
-            <a:fillRect/>
-          </a:stretch>
-        </p:blipFill>
-        <p:spPr>
-          <a:xfrm>
-            <a:off x="4036628" y="3861068"/>
-            <a:ext cx="4353973" cy="1518395"/>
-          </a:xfrm>
-          <a:prstGeom prst="rect">
-            <a:avLst/>
-          </a:prstGeom>
-        </p:spPr>
-      </p:pic>
-    </p:spTree>
-  </p:cSld>
-  <p:clrMapOvr>
-    <a:masterClrMapping/>
-  </p:clrMapOvr>
-  <p:timing>
-    <p:tnLst>
-      <p:par>
-        <p:cTn id="1" dur="indefinite" restart="never" nodeType="tmRoot"/>
-      </p:par>
-    </p:tnLst>
-  </p:timing>
-</p:sld>
-</file>
-
-<file path=ppt/slides/slide8.xml><?xml version="1.0" encoding="utf-8"?>
-<p:sld xmlns:a="http://schemas.openxmlformats.org/drawingml/2006/main" xmlns:r="http://schemas.openxmlformats.org/officeDocument/2006/relationships" xmlns:p="http://schemas.openxmlformats.org/presentationml/2006/main">
-  <p:cSld>
-    <p:spTree>
-      <p:nvGrpSpPr>
-        <p:cNvPr id="1" name=""/>
-        <p:cNvGrpSpPr/>
-        <p:nvPr/>
-      </p:nvGrpSpPr>
-      <p:grpSpPr>
-        <a:xfrm>
-          <a:off x="0" y="0"/>
-          <a:ext cx="0" cy="0"/>
-          <a:chOff x="0" y="0"/>
-          <a:chExt cx="0" cy="0"/>
-        </a:xfrm>
-      </p:grpSpPr>
-      <p:sp>
-        <p:nvSpPr>
-          <p:cNvPr id="14" name="标题 1"/>
-          <p:cNvSpPr>
-            <a:spLocks noGrp="1"/>
-          </p:cNvSpPr>
-          <p:nvPr>
-            <p:ph type="title"/>
-          </p:nvPr>
-        </p:nvSpPr>
-        <p:spPr>
-          <a:xfrm>
-            <a:off x="256623" y="1026064"/>
-            <a:ext cx="8100012" cy="810001"/>
-          </a:xfrm>
-        </p:spPr>
-        <p:txBody>
-          <a:bodyPr>
-            <a:normAutofit fontScale="90000"/>
-          </a:bodyPr>
-          <a:lstStyle/>
-          <a:p>
-            <a:r>
-              <a:rPr lang="en-US" altLang="zh-CN" sz="2700" dirty="0">
-                <a:latin typeface="黑体" panose="02010609060101010101" pitchFamily="49" charset="-122"/>
-                <a:ea typeface="黑体" panose="02010609060101010101" pitchFamily="49" charset="-122"/>
-              </a:rPr>
-              <a:t>WIRS-Containing Tails Have </a:t>
-            </a:r>
-            <a:r>
-              <a:rPr lang="en-US" altLang="zh-CN" sz="2700" dirty="0" smtClean="0">
-                <a:latin typeface="黑体" panose="02010609060101010101" pitchFamily="49" charset="-122"/>
-                <a:ea typeface="黑体" panose="02010609060101010101" pitchFamily="49" charset="-122"/>
-              </a:rPr>
-              <a:t>Various Effects </a:t>
-            </a:r>
-            <a:r>
-              <a:rPr lang="en-US" altLang="zh-CN" sz="2700" dirty="0">
-                <a:latin typeface="黑体" panose="02010609060101010101" pitchFamily="49" charset="-122"/>
-                <a:ea typeface="黑体" panose="02010609060101010101" pitchFamily="49" charset="-122"/>
-              </a:rPr>
-              <a:t>on WRC Activity</a:t>
-            </a:r>
-            <a:endParaRPr lang="zh-CN" altLang="en-US" sz="2700" dirty="0">
-              <a:latin typeface="黑体" panose="02010609060101010101" pitchFamily="49" charset="-122"/>
-              <a:ea typeface="黑体" panose="02010609060101010101" pitchFamily="49" charset="-122"/>
-            </a:endParaRPr>
-          </a:p>
-        </p:txBody>
-      </p:sp>
-      <p:sp>
-        <p:nvSpPr>
-          <p:cNvPr id="7" name="内容占位符 2"/>
-          <p:cNvSpPr>
-            <a:spLocks noGrp="1"/>
-          </p:cNvSpPr>
-          <p:nvPr>
-            <p:ph idx="1"/>
-          </p:nvPr>
-        </p:nvSpPr>
-        <p:spPr>
-          <a:xfrm>
-            <a:off x="256623" y="1836065"/>
-            <a:ext cx="3780006" cy="4050006"/>
-          </a:xfrm>
-        </p:spPr>
-        <p:txBody>
-          <a:bodyPr>
-            <a:normAutofit/>
-          </a:bodyPr>
-          <a:lstStyle/>
-          <a:p>
-            <a:pPr>
-              <a:lnSpc>
-                <a:spcPct val="100000"/>
-              </a:lnSpc>
-              <a:spcBef>
-                <a:spcPts val="0"/>
-              </a:spcBef>
-              <a:spcAft>
-                <a:spcPts val="0"/>
-              </a:spcAft>
-              <a:buFont typeface="Wingdings" panose="05000000000000000000" charset="2"/>
-              <a:buChar char="l"/>
-            </a:pPr>
-            <a:endParaRPr lang="en-US" altLang="zh-CN" b="1" dirty="0" smtClean="0">
-              <a:latin typeface="Microsoft YaHei UI" panose="020B0503020204020204" pitchFamily="34" charset="-122"/>
-              <a:ea typeface="Microsoft YaHei UI" panose="020B0503020204020204" pitchFamily="34" charset="-122"/>
-              <a:cs typeface="Arial" panose="02080604020202020204" charset="0"/>
-            </a:endParaRPr>
-          </a:p>
-          <a:p>
-            <a:pPr>
-              <a:lnSpc>
-                <a:spcPct val="100000"/>
-              </a:lnSpc>
-              <a:spcBef>
-                <a:spcPts val="0"/>
-              </a:spcBef>
-              <a:spcAft>
-                <a:spcPts val="0"/>
-              </a:spcAft>
-              <a:buFont typeface="Wingdings" panose="05000000000000000000" charset="2"/>
-              <a:buChar char="l"/>
-            </a:pPr>
-            <a:r>
-              <a:rPr lang="en-US" altLang="zh-CN" b="1" dirty="0" smtClean="0">
-                <a:latin typeface="Microsoft YaHei UI" panose="020B0503020204020204" pitchFamily="34" charset="-122"/>
-                <a:ea typeface="Microsoft YaHei UI" panose="020B0503020204020204" pitchFamily="34" charset="-122"/>
-                <a:cs typeface="Arial" panose="02080604020202020204" charset="0"/>
-              </a:rPr>
-              <a:t>The </a:t>
-            </a:r>
-            <a:r>
-              <a:rPr lang="en-US" altLang="zh-CN" b="1" dirty="0">
-                <a:latin typeface="Microsoft YaHei UI" panose="020B0503020204020204" pitchFamily="34" charset="-122"/>
-                <a:ea typeface="Microsoft YaHei UI" panose="020B0503020204020204" pitchFamily="34" charset="-122"/>
-                <a:cs typeface="Arial" panose="02080604020202020204" charset="0"/>
-              </a:rPr>
-              <a:t>activity of WIRS ligands is variable</a:t>
-            </a:r>
-            <a:endParaRPr lang="en-US" altLang="zh-CN" b="1" dirty="0">
-              <a:latin typeface="Microsoft YaHei UI" panose="020B0503020204020204" pitchFamily="34" charset="-122"/>
-              <a:ea typeface="Microsoft YaHei UI" panose="020B0503020204020204" pitchFamily="34" charset="-122"/>
-              <a:cs typeface="Arial" panose="02080604020202020204" charset="0"/>
-            </a:endParaRPr>
-          </a:p>
-          <a:p>
-            <a:pPr lvl="1">
-              <a:lnSpc>
-                <a:spcPct val="150000"/>
-              </a:lnSpc>
-              <a:spcBef>
-                <a:spcPts val="0"/>
-              </a:spcBef>
-              <a:spcAft>
-                <a:spcPts val="0"/>
-              </a:spcAft>
-              <a:buFont typeface="Arial" panose="02080604020202020204" charset="0"/>
-              <a:buChar char="•"/>
-            </a:pPr>
-            <a:endParaRPr lang="en-US" altLang="zh-CN" sz="1350" dirty="0">
-              <a:latin typeface="Microsoft YaHei UI" panose="020B0503020204020204" pitchFamily="34" charset="-122"/>
-              <a:ea typeface="Microsoft YaHei UI" panose="020B0503020204020204" pitchFamily="34" charset="-122"/>
-              <a:cs typeface="Arial" panose="02080604020202020204" charset="0"/>
-            </a:endParaRPr>
-          </a:p>
-          <a:p>
-            <a:pPr lvl="1">
-              <a:lnSpc>
-                <a:spcPct val="150000"/>
-              </a:lnSpc>
-              <a:spcBef>
-                <a:spcPts val="0"/>
-              </a:spcBef>
-              <a:spcAft>
-                <a:spcPts val="0"/>
-              </a:spcAft>
-              <a:buFont typeface="Arial" panose="02080604020202020204" charset="0"/>
-              <a:buChar char="•"/>
-            </a:pPr>
-            <a:endParaRPr lang="en-US" altLang="zh-CN" sz="1350" dirty="0">
-              <a:latin typeface="Microsoft YaHei UI" panose="020B0503020204020204" pitchFamily="34" charset="-122"/>
-              <a:ea typeface="Microsoft YaHei UI" panose="020B0503020204020204" pitchFamily="34" charset="-122"/>
-              <a:cs typeface="Arial" panose="02080604020202020204" charset="0"/>
-            </a:endParaRPr>
-          </a:p>
-        </p:txBody>
-      </p:sp>
-      <p:pic>
-        <p:nvPicPr>
-          <p:cNvPr id="4" name="图片 3"/>
-          <p:cNvPicPr>
-            <a:picLocks noChangeAspect="1"/>
-          </p:cNvPicPr>
-          <p:nvPr/>
-        </p:nvPicPr>
-        <p:blipFill rotWithShape="1">
-          <a:blip r:embed="rId1"/>
-          <a:srcRect t="32077" r="6817"/>
-          <a:stretch>
-            <a:fillRect/>
-          </a:stretch>
-        </p:blipFill>
-        <p:spPr>
-          <a:xfrm>
-            <a:off x="422817" y="2462960"/>
-            <a:ext cx="7767624" cy="3301057"/>
-          </a:xfrm>
-          <a:prstGeom prst="rect">
-            <a:avLst/>
-          </a:prstGeom>
-        </p:spPr>
-      </p:pic>
-    </p:spTree>
-  </p:cSld>
-  <p:clrMapOvr>
-    <a:masterClrMapping/>
-  </p:clrMapOvr>
-  <p:timing>
-    <p:tnLst>
-      <p:par>
-        <p:cTn id="1" dur="indefinite" restart="never" nodeType="tmRoot"/>
-      </p:par>
-    </p:tnLst>
-  </p:timing>
-</p:sld>
-</file>
-
-<file path=ppt/slides/slide9.xml><?xml version="1.0" encoding="utf-8"?>
-<p:sld xmlns:a="http://schemas.openxmlformats.org/drawingml/2006/main" xmlns:r="http://schemas.openxmlformats.org/officeDocument/2006/relationships" xmlns:p="http://schemas.openxmlformats.org/presentationml/2006/main">
-  <p:cSld>
-    <p:spTree>
-      <p:nvGrpSpPr>
-        <p:cNvPr id="1" name=""/>
-        <p:cNvGrpSpPr/>
-        <p:nvPr/>
-      </p:nvGrpSpPr>
-      <p:grpSpPr>
-        <a:xfrm>
-          <a:off x="0" y="0"/>
-          <a:ext cx="0" cy="0"/>
-          <a:chOff x="0" y="0"/>
-          <a:chExt cx="0" cy="0"/>
-        </a:xfrm>
-      </p:grpSpPr>
-      <p:sp>
-        <p:nvSpPr>
-          <p:cNvPr id="14" name="标题 1"/>
-          <p:cNvSpPr>
-            <a:spLocks noGrp="1"/>
-          </p:cNvSpPr>
-          <p:nvPr>
-            <p:ph type="title"/>
-          </p:nvPr>
-        </p:nvSpPr>
-        <p:spPr>
-          <a:xfrm>
-            <a:off x="256623" y="1026064"/>
-            <a:ext cx="8100012" cy="810001"/>
-          </a:xfrm>
-        </p:spPr>
-        <p:txBody>
-          <a:bodyPr>
-            <a:normAutofit/>
-          </a:bodyPr>
-          <a:lstStyle/>
-          <a:p>
-            <a:r>
-              <a:rPr lang="en-US" altLang="zh-CN" sz="2700" dirty="0">
-                <a:latin typeface="黑体" panose="02010609060101010101" pitchFamily="49" charset="-122"/>
-                <a:ea typeface="黑体" panose="02010609060101010101" pitchFamily="49" charset="-122"/>
-              </a:rPr>
-              <a:t>WIRS Ligands Bind the WRC In Vivo</a:t>
-            </a:r>
-            <a:endParaRPr lang="zh-CN" altLang="en-US" sz="2700" dirty="0">
-              <a:latin typeface="黑体" panose="02010609060101010101" pitchFamily="49" charset="-122"/>
-              <a:ea typeface="黑体" panose="02010609060101010101" pitchFamily="49" charset="-122"/>
-            </a:endParaRPr>
-          </a:p>
-        </p:txBody>
-      </p:sp>
-      <p:sp>
-        <p:nvSpPr>
-          <p:cNvPr id="7" name="内容占位符 2"/>
-          <p:cNvSpPr>
-            <a:spLocks noGrp="1"/>
-          </p:cNvSpPr>
-          <p:nvPr>
-            <p:ph idx="1"/>
-          </p:nvPr>
-        </p:nvSpPr>
-        <p:spPr>
-          <a:xfrm>
-            <a:off x="256623" y="1836065"/>
-            <a:ext cx="3780006" cy="4050006"/>
-          </a:xfrm>
-        </p:spPr>
-        <p:txBody>
-          <a:bodyPr>
-            <a:normAutofit/>
-          </a:bodyPr>
-          <a:lstStyle/>
-          <a:p>
-            <a:pPr>
-              <a:lnSpc>
-                <a:spcPct val="100000"/>
-              </a:lnSpc>
-              <a:spcBef>
-                <a:spcPts val="0"/>
-              </a:spcBef>
-              <a:spcAft>
-                <a:spcPts val="0"/>
-              </a:spcAft>
-              <a:buFont typeface="Wingdings" panose="05000000000000000000" charset="2"/>
-              <a:buChar char="l"/>
-            </a:pPr>
-            <a:endParaRPr lang="en-US" altLang="zh-CN" b="1" dirty="0" smtClean="0">
-              <a:latin typeface="Microsoft YaHei UI" panose="020B0503020204020204" pitchFamily="34" charset="-122"/>
-              <a:ea typeface="Microsoft YaHei UI" panose="020B0503020204020204" pitchFamily="34" charset="-122"/>
-              <a:cs typeface="Arial" panose="02080604020202020204" charset="0"/>
-            </a:endParaRPr>
-          </a:p>
-          <a:p>
-            <a:pPr>
-              <a:lnSpc>
-                <a:spcPct val="100000"/>
-              </a:lnSpc>
-              <a:spcBef>
-                <a:spcPts val="0"/>
-              </a:spcBef>
-              <a:spcAft>
-                <a:spcPts val="0"/>
-              </a:spcAft>
-              <a:buFont typeface="Wingdings" panose="05000000000000000000" charset="2"/>
-              <a:buChar char="l"/>
-            </a:pPr>
-            <a:r>
-              <a:rPr lang="en-US" altLang="zh-CN" b="1" dirty="0" smtClean="0">
-                <a:latin typeface="Microsoft YaHei UI" panose="020B0503020204020204" pitchFamily="34" charset="-122"/>
-                <a:ea typeface="Microsoft YaHei UI" panose="020B0503020204020204" pitchFamily="34" charset="-122"/>
-                <a:cs typeface="Arial" panose="02080604020202020204" charset="0"/>
-              </a:rPr>
-              <a:t>The </a:t>
-            </a:r>
-            <a:r>
-              <a:rPr lang="en-US" altLang="zh-CN" b="1" dirty="0">
-                <a:latin typeface="Microsoft YaHei UI" panose="020B0503020204020204" pitchFamily="34" charset="-122"/>
-                <a:ea typeface="Microsoft YaHei UI" panose="020B0503020204020204" pitchFamily="34" charset="-122"/>
-                <a:cs typeface="Arial" panose="02080604020202020204" charset="0"/>
-              </a:rPr>
-              <a:t>activity of WIRS ligands is variable</a:t>
-            </a:r>
-            <a:endParaRPr lang="en-US" altLang="zh-CN" b="1" dirty="0">
-              <a:latin typeface="Microsoft YaHei UI" panose="020B0503020204020204" pitchFamily="34" charset="-122"/>
-              <a:ea typeface="Microsoft YaHei UI" panose="020B0503020204020204" pitchFamily="34" charset="-122"/>
-              <a:cs typeface="Arial" panose="02080604020202020204" charset="0"/>
-            </a:endParaRPr>
-          </a:p>
-          <a:p>
-            <a:pPr lvl="1">
-              <a:lnSpc>
-                <a:spcPct val="150000"/>
-              </a:lnSpc>
-              <a:spcBef>
-                <a:spcPts val="0"/>
-              </a:spcBef>
-              <a:spcAft>
-                <a:spcPts val="0"/>
-              </a:spcAft>
-              <a:buFont typeface="Arial" panose="02080604020202020204" charset="0"/>
-              <a:buChar char="•"/>
-            </a:pPr>
-            <a:endParaRPr lang="en-US" altLang="zh-CN" sz="1350" dirty="0">
-              <a:latin typeface="Microsoft YaHei UI" panose="020B0503020204020204" pitchFamily="34" charset="-122"/>
-              <a:ea typeface="Microsoft YaHei UI" panose="020B0503020204020204" pitchFamily="34" charset="-122"/>
-              <a:cs typeface="Arial" panose="02080604020202020204" charset="0"/>
-            </a:endParaRPr>
-          </a:p>
-          <a:p>
-            <a:pPr lvl="1">
-              <a:lnSpc>
-                <a:spcPct val="150000"/>
-              </a:lnSpc>
-              <a:spcBef>
-                <a:spcPts val="0"/>
-              </a:spcBef>
-              <a:spcAft>
-                <a:spcPts val="0"/>
-              </a:spcAft>
-              <a:buFont typeface="Arial" panose="02080604020202020204" charset="0"/>
-              <a:buChar char="•"/>
-            </a:pPr>
-            <a:endParaRPr lang="en-US" altLang="zh-CN" sz="1350" dirty="0">
-              <a:latin typeface="Microsoft YaHei UI" panose="020B0503020204020204" pitchFamily="34" charset="-122"/>
-              <a:ea typeface="Microsoft YaHei UI" panose="020B0503020204020204" pitchFamily="34" charset="-122"/>
-              <a:cs typeface="Arial" panose="02080604020202020204" charset="0"/>
-            </a:endParaRPr>
-          </a:p>
-        </p:txBody>
-      </p:sp>
-    </p:spTree>
-  </p:cSld>
-  <p:clrMapOvr>
-    <a:masterClrMapping/>
-  </p:clrMapOvr>
-  <p:timing>
-    <p:tnLst>
-      <p:par>
-        <p:cTn id="1" dur="indefinite" restart="never" nodeType="tmRoot"/>
-      </p:par>
-    </p:tnLst>
-  </p:timing>
-</p:sld>
-</file>
-
 <file path=ppt/theme/theme1.xml><?xml version="1.0" encoding="utf-8"?>
 <a:theme xmlns:a="http://schemas.openxmlformats.org/drawingml/2006/main" name="View">
   <a:themeElements>
